--- a/Entwurf/2.Gruppentreffen.pptx
+++ b/Entwurf/2.Gruppentreffen.pptx
@@ -44,7 +44,7 @@
       </p:grpSpPr>
       <p:sp>
         <p:nvSpPr>
-          <p:cNvPr id="93" name="PlaceHolder 1"/>
+          <p:cNvPr id="92" name="PlaceHolder 1"/>
           <p:cNvSpPr>
             <a:spLocks noGrp="1"/>
           </p:cNvSpPr>
@@ -94,7 +94,7 @@
       </p:sp>
       <p:sp>
         <p:nvSpPr>
-          <p:cNvPr id="94" name="PlaceHolder 2"/>
+          <p:cNvPr id="93" name="PlaceHolder 2"/>
           <p:cNvSpPr>
             <a:spLocks noGrp="1"/>
           </p:cNvSpPr>
@@ -126,7 +126,7 @@
                 </a:uFill>
                 <a:latin typeface="Times New Roman"/>
               </a:rPr>
-              <a:t> </a:t>
+              <a:t>&lt;Kopfzeile&gt;</a:t>
             </a:r>
             <a:endParaRPr b="0" lang="de-DE" sz="1400" spc="-1" strike="noStrike">
               <a:solidFill>
@@ -144,7 +144,7 @@
       </p:sp>
       <p:sp>
         <p:nvSpPr>
-          <p:cNvPr id="95" name="PlaceHolder 3"/>
+          <p:cNvPr id="94" name="PlaceHolder 3"/>
           <p:cNvSpPr>
             <a:spLocks noGrp="1"/>
           </p:cNvSpPr>
@@ -177,7 +177,7 @@
                 </a:uFill>
                 <a:latin typeface="Times New Roman"/>
               </a:rPr>
-              <a:t> </a:t>
+              <a:t>&lt;Datum/Uhrzeit&gt;</a:t>
             </a:r>
             <a:endParaRPr b="0" lang="de-DE" sz="1400" spc="-1" strike="noStrike">
               <a:solidFill>
@@ -195,7 +195,7 @@
       </p:sp>
       <p:sp>
         <p:nvSpPr>
-          <p:cNvPr id="96" name="PlaceHolder 4"/>
+          <p:cNvPr id="95" name="PlaceHolder 4"/>
           <p:cNvSpPr>
             <a:spLocks noGrp="1"/>
           </p:cNvSpPr>
@@ -227,7 +227,7 @@
                 </a:uFill>
                 <a:latin typeface="Times New Roman"/>
               </a:rPr>
-              <a:t> </a:t>
+              <a:t>&lt;Fußzeile&gt;</a:t>
             </a:r>
             <a:endParaRPr b="0" lang="de-DE" sz="1400" spc="-1" strike="noStrike">
               <a:solidFill>
@@ -245,7 +245,7 @@
       </p:sp>
       <p:sp>
         <p:nvSpPr>
-          <p:cNvPr id="97" name="PlaceHolder 5"/>
+          <p:cNvPr id="96" name="PlaceHolder 5"/>
           <p:cNvSpPr>
             <a:spLocks noGrp="1"/>
           </p:cNvSpPr>
@@ -266,7 +266,7 @@
           <a:bodyPr lIns="0" rIns="0" tIns="0" bIns="0" anchor="b"/>
           <a:p>
             <a:pPr algn="r"/>
-            <a:fld id="{2CD1A4E3-6892-4838-8DC7-ABCEE2F359A0}" type="slidenum">
+            <a:fld id="{38ECA5BC-6AE4-4C26-91B8-FFAFAE879713}" type="slidenum">
               <a:rPr b="0" lang="de-DE" sz="1400" spc="-1" strike="noStrike">
                 <a:solidFill>
                   <a:srgbClr val="000000"/>
@@ -278,7 +278,7 @@
                 </a:uFill>
                 <a:latin typeface="Times New Roman"/>
               </a:rPr>
-              <a:t>1</a:t>
+              <a:t>&lt;Foliennummer&gt;</a:t>
             </a:fld>
             <a:endParaRPr b="0" lang="de-DE" sz="1400" spc="-1" strike="noStrike">
               <a:solidFill>
@@ -319,7 +319,7 @@
       </p:grpSpPr>
       <p:sp>
         <p:nvSpPr>
-          <p:cNvPr id="123" name="PlaceHolder 1"/>
+          <p:cNvPr id="122" name="PlaceHolder 1"/>
           <p:cNvSpPr>
             <a:spLocks noGrp="1"/>
           </p:cNvSpPr>
@@ -330,14 +330,14 @@
         <p:spPr>
           <a:xfrm>
             <a:off x="685800" y="4343400"/>
-            <a:ext cx="5486040" cy="4114440"/>
-          </a:xfrm>
-          <a:prstGeom prst="rect">
-            <a:avLst/>
-          </a:prstGeom>
-        </p:spPr>
-        <p:txBody>
-          <a:bodyPr/>
+            <a:ext cx="5485680" cy="4114080"/>
+          </a:xfrm>
+          <a:prstGeom prst="rect">
+            <a:avLst/>
+          </a:prstGeom>
+        </p:spPr>
+        <p:txBody>
+          <a:bodyPr lIns="0" rIns="0" tIns="0" bIns="0"/>
           <a:p>
             <a:r>
               <a:rPr b="0" lang="de-DE" sz="2000" spc="-1" strike="noStrike">
@@ -369,14 +369,14 @@
       </p:sp>
       <p:sp>
         <p:nvSpPr>
-          <p:cNvPr id="124" name="TextShape 2"/>
-          <p:cNvSpPr txBox="1"/>
+          <p:cNvPr id="123" name="CustomShape 2"/>
+          <p:cNvSpPr/>
           <p:nvPr/>
         </p:nvSpPr>
         <p:spPr>
           <a:xfrm>
             <a:off x="3884760" y="8685360"/>
-            <a:ext cx="2971440" cy="456840"/>
+            <a:ext cx="2971080" cy="456480"/>
           </a:xfrm>
           <a:prstGeom prst="rect">
             <a:avLst/>
@@ -386,42 +386,12 @@
             <a:noFill/>
           </a:ln>
         </p:spPr>
-        <p:txBody>
-          <a:bodyPr anchor="b"/>
-          <a:p>
-            <a:pPr algn="r">
-              <a:lnSpc>
-                <a:spcPct val="100000"/>
-              </a:lnSpc>
-            </a:pPr>
-            <a:fld id="{3429BAA6-D9AB-4652-88E1-08650C8221EF}" type="slidenum">
-              <a:rPr b="0" lang="de-DE" sz="1200" spc="-1" strike="noStrike">
-                <a:solidFill>
-                  <a:srgbClr val="000000"/>
-                </a:solidFill>
-                <a:uFill>
-                  <a:solidFill>
-                    <a:srgbClr val="ffffff"/>
-                  </a:solidFill>
-                </a:uFill>
-                <a:latin typeface="+mn-lt"/>
-                <a:ea typeface="+mn-ea"/>
-              </a:rPr>
-              <a:t>&lt;Foliennummer&gt;</a:t>
-            </a:fld>
-            <a:endParaRPr b="0" lang="de-DE" sz="1200" spc="-1" strike="noStrike">
-              <a:solidFill>
-                <a:srgbClr val="000000"/>
-              </a:solidFill>
-              <a:uFill>
-                <a:solidFill>
-                  <a:srgbClr val="ffffff"/>
-                </a:solidFill>
-              </a:uFill>
-              <a:latin typeface="Times New Roman"/>
-            </a:endParaRPr>
-          </a:p>
-        </p:txBody>
+        <p:style>
+          <a:lnRef idx="0"/>
+          <a:fillRef idx="0"/>
+          <a:effectRef idx="0"/>
+          <a:fontRef idx="minor"/>
+        </p:style>
       </p:sp>
     </p:spTree>
   </p:cSld>
@@ -479,8 +449,8 @@
         </p:nvSpPr>
         <p:spPr>
           <a:xfrm>
-            <a:off x="390600" y="333360"/>
-            <a:ext cx="6911640" cy="561600"/>
+            <a:off x="390600" y="-11160"/>
+            <a:ext cx="6911280" cy="1250280"/>
           </a:xfrm>
           <a:prstGeom prst="rect">
             <a:avLst/>
@@ -489,7 +459,8 @@
         <p:txBody>
           <a:bodyPr lIns="0" rIns="0" tIns="0" bIns="0" anchor="ctr"/>
           <a:p>
-            <a:endParaRPr b="0" lang="de-DE" sz="1800" spc="-1" strike="noStrike">
+            <a:pPr algn="ctr"/>
+            <a:endParaRPr b="0" lang="de-DE" sz="4400" spc="-1" strike="noStrike">
               <a:solidFill>
                 <a:srgbClr val="000000"/>
               </a:solidFill>
@@ -516,7 +487,7 @@
         <p:spPr>
           <a:xfrm>
             <a:off x="392040" y="1198440"/>
-            <a:ext cx="8356320" cy="2334240"/>
+            <a:ext cx="8355960" cy="2333880"/>
           </a:xfrm>
           <a:prstGeom prst="rect">
             <a:avLst/>
@@ -527,7 +498,7 @@
             <a:normAutofit/>
           </a:bodyPr>
           <a:p>
-            <a:endParaRPr b="0" lang="de-DE" sz="2000" spc="-1" strike="noStrike">
+            <a:endParaRPr b="0" lang="de-DE" sz="3200" spc="-1" strike="noStrike">
               <a:solidFill>
                 <a:srgbClr val="000000"/>
               </a:solidFill>
@@ -553,8 +524,8 @@
         </p:nvSpPr>
         <p:spPr>
           <a:xfrm>
-            <a:off x="392040" y="3754800"/>
-            <a:ext cx="8356320" cy="2334240"/>
+            <a:off x="392040" y="3754440"/>
+            <a:ext cx="8355960" cy="2333880"/>
           </a:xfrm>
           <a:prstGeom prst="rect">
             <a:avLst/>
@@ -565,7 +536,7 @@
             <a:normAutofit/>
           </a:bodyPr>
           <a:p>
-            <a:endParaRPr b="0" lang="de-DE" sz="2000" spc="-1" strike="noStrike">
+            <a:endParaRPr b="0" lang="de-DE" sz="3200" spc="-1" strike="noStrike">
               <a:solidFill>
                 <a:srgbClr val="000000"/>
               </a:solidFill>
@@ -613,8 +584,8 @@
         </p:nvSpPr>
         <p:spPr>
           <a:xfrm>
-            <a:off x="390600" y="333360"/>
-            <a:ext cx="6911640" cy="561600"/>
+            <a:off x="390600" y="-11160"/>
+            <a:ext cx="6911280" cy="1250280"/>
           </a:xfrm>
           <a:prstGeom prst="rect">
             <a:avLst/>
@@ -623,7 +594,8 @@
         <p:txBody>
           <a:bodyPr lIns="0" rIns="0" tIns="0" bIns="0" anchor="ctr"/>
           <a:p>
-            <a:endParaRPr b="0" lang="de-DE" sz="1800" spc="-1" strike="noStrike">
+            <a:pPr algn="ctr"/>
+            <a:endParaRPr b="0" lang="de-DE" sz="4400" spc="-1" strike="noStrike">
               <a:solidFill>
                 <a:srgbClr val="000000"/>
               </a:solidFill>
@@ -650,7 +622,7 @@
         <p:spPr>
           <a:xfrm>
             <a:off x="392040" y="1198440"/>
-            <a:ext cx="4077720" cy="2334240"/>
+            <a:ext cx="4077360" cy="2333880"/>
           </a:xfrm>
           <a:prstGeom prst="rect">
             <a:avLst/>
@@ -661,7 +633,7 @@
             <a:normAutofit/>
           </a:bodyPr>
           <a:p>
-            <a:endParaRPr b="0" lang="de-DE" sz="2000" spc="-1" strike="noStrike">
+            <a:endParaRPr b="0" lang="de-DE" sz="3200" spc="-1" strike="noStrike">
               <a:solidFill>
                 <a:srgbClr val="000000"/>
               </a:solidFill>
@@ -687,8 +659,8 @@
         </p:nvSpPr>
         <p:spPr>
           <a:xfrm>
-            <a:off x="4673880" y="1198440"/>
-            <a:ext cx="4077720" cy="2334240"/>
+            <a:off x="4673520" y="1198440"/>
+            <a:ext cx="4077360" cy="2333880"/>
           </a:xfrm>
           <a:prstGeom prst="rect">
             <a:avLst/>
@@ -699,7 +671,7 @@
             <a:normAutofit/>
           </a:bodyPr>
           <a:p>
-            <a:endParaRPr b="0" lang="de-DE" sz="2000" spc="-1" strike="noStrike">
+            <a:endParaRPr b="0" lang="de-DE" sz="3200" spc="-1" strike="noStrike">
               <a:solidFill>
                 <a:srgbClr val="000000"/>
               </a:solidFill>
@@ -725,8 +697,8 @@
         </p:nvSpPr>
         <p:spPr>
           <a:xfrm>
-            <a:off x="4673880" y="3754800"/>
-            <a:ext cx="4077720" cy="2334240"/>
+            <a:off x="4673520" y="3754440"/>
+            <a:ext cx="4077360" cy="2333880"/>
           </a:xfrm>
           <a:prstGeom prst="rect">
             <a:avLst/>
@@ -737,7 +709,7 @@
             <a:normAutofit/>
           </a:bodyPr>
           <a:p>
-            <a:endParaRPr b="0" lang="de-DE" sz="2000" spc="-1" strike="noStrike">
+            <a:endParaRPr b="0" lang="de-DE" sz="3200" spc="-1" strike="noStrike">
               <a:solidFill>
                 <a:srgbClr val="000000"/>
               </a:solidFill>
@@ -763,8 +735,8 @@
         </p:nvSpPr>
         <p:spPr>
           <a:xfrm>
-            <a:off x="392040" y="3754800"/>
-            <a:ext cx="4077720" cy="2334240"/>
+            <a:off x="392040" y="3754440"/>
+            <a:ext cx="4077360" cy="2333880"/>
           </a:xfrm>
           <a:prstGeom prst="rect">
             <a:avLst/>
@@ -775,7 +747,7 @@
             <a:normAutofit/>
           </a:bodyPr>
           <a:p>
-            <a:endParaRPr b="0" lang="de-DE" sz="2000" spc="-1" strike="noStrike">
+            <a:endParaRPr b="0" lang="de-DE" sz="3200" spc="-1" strike="noStrike">
               <a:solidFill>
                 <a:srgbClr val="000000"/>
               </a:solidFill>
@@ -823,8 +795,8 @@
         </p:nvSpPr>
         <p:spPr>
           <a:xfrm>
-            <a:off x="390600" y="333360"/>
-            <a:ext cx="6911640" cy="561600"/>
+            <a:off x="390600" y="-11160"/>
+            <a:ext cx="6911280" cy="1250280"/>
           </a:xfrm>
           <a:prstGeom prst="rect">
             <a:avLst/>
@@ -833,7 +805,8 @@
         <p:txBody>
           <a:bodyPr lIns="0" rIns="0" tIns="0" bIns="0" anchor="ctr"/>
           <a:p>
-            <a:endParaRPr b="0" lang="de-DE" sz="1800" spc="-1" strike="noStrike">
+            <a:pPr algn="ctr"/>
+            <a:endParaRPr b="0" lang="de-DE" sz="4400" spc="-1" strike="noStrike">
               <a:solidFill>
                 <a:srgbClr val="000000"/>
               </a:solidFill>
@@ -860,7 +833,7 @@
         <p:spPr>
           <a:xfrm>
             <a:off x="392040" y="1198440"/>
-            <a:ext cx="2690640" cy="2334240"/>
+            <a:ext cx="2690280" cy="2333880"/>
           </a:xfrm>
           <a:prstGeom prst="rect">
             <a:avLst/>
@@ -871,7 +844,7 @@
             <a:normAutofit/>
           </a:bodyPr>
           <a:p>
-            <a:endParaRPr b="0" lang="de-DE" sz="2000" spc="-1" strike="noStrike">
+            <a:endParaRPr b="0" lang="de-DE" sz="3200" spc="-1" strike="noStrike">
               <a:solidFill>
                 <a:srgbClr val="000000"/>
               </a:solidFill>
@@ -897,8 +870,8 @@
         </p:nvSpPr>
         <p:spPr>
           <a:xfrm>
-            <a:off x="3217680" y="1198440"/>
-            <a:ext cx="2690640" cy="2334240"/>
+            <a:off x="3217320" y="1198440"/>
+            <a:ext cx="2690280" cy="2333880"/>
           </a:xfrm>
           <a:prstGeom prst="rect">
             <a:avLst/>
@@ -909,7 +882,7 @@
             <a:normAutofit/>
           </a:bodyPr>
           <a:p>
-            <a:endParaRPr b="0" lang="de-DE" sz="2000" spc="-1" strike="noStrike">
+            <a:endParaRPr b="0" lang="de-DE" sz="3200" spc="-1" strike="noStrike">
               <a:solidFill>
                 <a:srgbClr val="000000"/>
               </a:solidFill>
@@ -935,8 +908,8 @@
         </p:nvSpPr>
         <p:spPr>
           <a:xfrm>
-            <a:off x="6043320" y="1198440"/>
-            <a:ext cx="2690640" cy="2334240"/>
+            <a:off x="6042240" y="1198440"/>
+            <a:ext cx="2690280" cy="2333880"/>
           </a:xfrm>
           <a:prstGeom prst="rect">
             <a:avLst/>
@@ -947,7 +920,7 @@
             <a:normAutofit/>
           </a:bodyPr>
           <a:p>
-            <a:endParaRPr b="0" lang="de-DE" sz="2000" spc="-1" strike="noStrike">
+            <a:endParaRPr b="0" lang="de-DE" sz="3200" spc="-1" strike="noStrike">
               <a:solidFill>
                 <a:srgbClr val="000000"/>
               </a:solidFill>
@@ -973,8 +946,8 @@
         </p:nvSpPr>
         <p:spPr>
           <a:xfrm>
-            <a:off x="6043320" y="3754800"/>
-            <a:ext cx="2690640" cy="2334240"/>
+            <a:off x="6042240" y="3754440"/>
+            <a:ext cx="2690280" cy="2333880"/>
           </a:xfrm>
           <a:prstGeom prst="rect">
             <a:avLst/>
@@ -985,7 +958,7 @@
             <a:normAutofit/>
           </a:bodyPr>
           <a:p>
-            <a:endParaRPr b="0" lang="de-DE" sz="2000" spc="-1" strike="noStrike">
+            <a:endParaRPr b="0" lang="de-DE" sz="3200" spc="-1" strike="noStrike">
               <a:solidFill>
                 <a:srgbClr val="000000"/>
               </a:solidFill>
@@ -1011,8 +984,8 @@
         </p:nvSpPr>
         <p:spPr>
           <a:xfrm>
-            <a:off x="3217680" y="3754800"/>
-            <a:ext cx="2690640" cy="2334240"/>
+            <a:off x="3217320" y="3754440"/>
+            <a:ext cx="2690280" cy="2333880"/>
           </a:xfrm>
           <a:prstGeom prst="rect">
             <a:avLst/>
@@ -1023,7 +996,7 @@
             <a:normAutofit/>
           </a:bodyPr>
           <a:p>
-            <a:endParaRPr b="0" lang="de-DE" sz="2000" spc="-1" strike="noStrike">
+            <a:endParaRPr b="0" lang="de-DE" sz="3200" spc="-1" strike="noStrike">
               <a:solidFill>
                 <a:srgbClr val="000000"/>
               </a:solidFill>
@@ -1049,8 +1022,8 @@
         </p:nvSpPr>
         <p:spPr>
           <a:xfrm>
-            <a:off x="392040" y="3754800"/>
-            <a:ext cx="2690640" cy="2334240"/>
+            <a:off x="392040" y="3754440"/>
+            <a:ext cx="2690280" cy="2333880"/>
           </a:xfrm>
           <a:prstGeom prst="rect">
             <a:avLst/>
@@ -1061,7 +1034,7 @@
             <a:normAutofit/>
           </a:bodyPr>
           <a:p>
-            <a:endParaRPr b="0" lang="de-DE" sz="2000" spc="-1" strike="noStrike">
+            <a:endParaRPr b="0" lang="de-DE" sz="3200" spc="-1" strike="noStrike">
               <a:solidFill>
                 <a:srgbClr val="000000"/>
               </a:solidFill>
@@ -1121,7 +1094,7 @@
       </p:grpSpPr>
       <p:sp>
         <p:nvSpPr>
-          <p:cNvPr id="57" name="PlaceHolder 1"/>
+          <p:cNvPr id="56" name="PlaceHolder 1"/>
           <p:cNvSpPr>
             <a:spLocks noGrp="1"/>
           </p:cNvSpPr>
@@ -1131,8 +1104,8 @@
         </p:nvSpPr>
         <p:spPr>
           <a:xfrm>
-            <a:off x="390600" y="333360"/>
-            <a:ext cx="6911640" cy="561600"/>
+            <a:off x="390600" y="-11160"/>
+            <a:ext cx="6911280" cy="1250280"/>
           </a:xfrm>
           <a:prstGeom prst="rect">
             <a:avLst/>
@@ -1141,23 +1114,24 @@
         <p:txBody>
           <a:bodyPr lIns="0" rIns="0" tIns="0" bIns="0" anchor="ctr"/>
           <a:p>
-            <a:endParaRPr b="0" lang="de-DE" sz="1800" spc="-1" strike="noStrike">
-              <a:solidFill>
-                <a:srgbClr val="000000"/>
-              </a:solidFill>
-              <a:uFill>
-                <a:solidFill>
-                  <a:srgbClr val="ffffff"/>
-                </a:solidFill>
-              </a:uFill>
-              <a:latin typeface="Arial"/>
-            </a:endParaRPr>
-          </a:p>
-        </p:txBody>
-      </p:sp>
-      <p:sp>
-        <p:nvSpPr>
-          <p:cNvPr id="58" name="PlaceHolder 2"/>
+            <a:pPr algn="ctr"/>
+            <a:endParaRPr b="0" lang="de-DE" sz="4400" spc="-1" strike="noStrike">
+              <a:solidFill>
+                <a:srgbClr val="000000"/>
+              </a:solidFill>
+              <a:uFill>
+                <a:solidFill>
+                  <a:srgbClr val="ffffff"/>
+                </a:solidFill>
+              </a:uFill>
+              <a:latin typeface="Arial"/>
+            </a:endParaRPr>
+          </a:p>
+        </p:txBody>
+      </p:sp>
+      <p:sp>
+        <p:nvSpPr>
+          <p:cNvPr id="57" name="PlaceHolder 2"/>
           <p:cNvSpPr>
             <a:spLocks noGrp="1"/>
           </p:cNvSpPr>
@@ -1168,7 +1142,7 @@
         <p:spPr>
           <a:xfrm>
             <a:off x="392040" y="1198440"/>
-            <a:ext cx="8356320" cy="4893840"/>
+            <a:ext cx="8355960" cy="4893480"/>
           </a:xfrm>
           <a:prstGeom prst="rect">
             <a:avLst/>
@@ -1216,7 +1190,7 @@
       </p:grpSpPr>
       <p:sp>
         <p:nvSpPr>
-          <p:cNvPr id="59" name="PlaceHolder 1"/>
+          <p:cNvPr id="58" name="PlaceHolder 1"/>
           <p:cNvSpPr>
             <a:spLocks noGrp="1"/>
           </p:cNvSpPr>
@@ -1226,8 +1200,8 @@
         </p:nvSpPr>
         <p:spPr>
           <a:xfrm>
-            <a:off x="390600" y="333360"/>
-            <a:ext cx="6911640" cy="561600"/>
+            <a:off x="390600" y="-11160"/>
+            <a:ext cx="6911280" cy="1250280"/>
           </a:xfrm>
           <a:prstGeom prst="rect">
             <a:avLst/>
@@ -1236,23 +1210,24 @@
         <p:txBody>
           <a:bodyPr lIns="0" rIns="0" tIns="0" bIns="0" anchor="ctr"/>
           <a:p>
-            <a:endParaRPr b="0" lang="de-DE" sz="1800" spc="-1" strike="noStrike">
-              <a:solidFill>
-                <a:srgbClr val="000000"/>
-              </a:solidFill>
-              <a:uFill>
-                <a:solidFill>
-                  <a:srgbClr val="ffffff"/>
-                </a:solidFill>
-              </a:uFill>
-              <a:latin typeface="Arial"/>
-            </a:endParaRPr>
-          </a:p>
-        </p:txBody>
-      </p:sp>
-      <p:sp>
-        <p:nvSpPr>
-          <p:cNvPr id="60" name="PlaceHolder 2"/>
+            <a:pPr algn="ctr"/>
+            <a:endParaRPr b="0" lang="de-DE" sz="4400" spc="-1" strike="noStrike">
+              <a:solidFill>
+                <a:srgbClr val="000000"/>
+              </a:solidFill>
+              <a:uFill>
+                <a:solidFill>
+                  <a:srgbClr val="ffffff"/>
+                </a:solidFill>
+              </a:uFill>
+              <a:latin typeface="Arial"/>
+            </a:endParaRPr>
+          </a:p>
+        </p:txBody>
+      </p:sp>
+      <p:sp>
+        <p:nvSpPr>
+          <p:cNvPr id="59" name="PlaceHolder 2"/>
           <p:cNvSpPr>
             <a:spLocks noGrp="1"/>
           </p:cNvSpPr>
@@ -1263,7 +1238,7 @@
         <p:spPr>
           <a:xfrm>
             <a:off x="392040" y="1198440"/>
-            <a:ext cx="8356320" cy="4893840"/>
+            <a:ext cx="8355960" cy="4893480"/>
           </a:xfrm>
           <a:prstGeom prst="rect">
             <a:avLst/>
@@ -1274,7 +1249,7 @@
             <a:normAutofit/>
           </a:bodyPr>
           <a:p>
-            <a:endParaRPr b="0" lang="de-DE" sz="2000" spc="-1" strike="noStrike">
+            <a:endParaRPr b="0" lang="de-DE" sz="3200" spc="-1" strike="noStrike">
               <a:solidFill>
                 <a:srgbClr val="000000"/>
               </a:solidFill>
@@ -1312,7 +1287,7 @@
       </p:grpSpPr>
       <p:sp>
         <p:nvSpPr>
-          <p:cNvPr id="61" name="PlaceHolder 1"/>
+          <p:cNvPr id="60" name="PlaceHolder 1"/>
           <p:cNvSpPr>
             <a:spLocks noGrp="1"/>
           </p:cNvSpPr>
@@ -1322,8 +1297,8 @@
         </p:nvSpPr>
         <p:spPr>
           <a:xfrm>
-            <a:off x="390600" y="333360"/>
-            <a:ext cx="6911640" cy="561600"/>
+            <a:off x="390600" y="-11160"/>
+            <a:ext cx="6911280" cy="1250280"/>
           </a:xfrm>
           <a:prstGeom prst="rect">
             <a:avLst/>
@@ -1332,23 +1307,24 @@
         <p:txBody>
           <a:bodyPr lIns="0" rIns="0" tIns="0" bIns="0" anchor="ctr"/>
           <a:p>
-            <a:endParaRPr b="0" lang="de-DE" sz="1800" spc="-1" strike="noStrike">
-              <a:solidFill>
-                <a:srgbClr val="000000"/>
-              </a:solidFill>
-              <a:uFill>
-                <a:solidFill>
-                  <a:srgbClr val="ffffff"/>
-                </a:solidFill>
-              </a:uFill>
-              <a:latin typeface="Arial"/>
-            </a:endParaRPr>
-          </a:p>
-        </p:txBody>
-      </p:sp>
-      <p:sp>
-        <p:nvSpPr>
-          <p:cNvPr id="62" name="PlaceHolder 2"/>
+            <a:pPr algn="ctr"/>
+            <a:endParaRPr b="0" lang="de-DE" sz="4400" spc="-1" strike="noStrike">
+              <a:solidFill>
+                <a:srgbClr val="000000"/>
+              </a:solidFill>
+              <a:uFill>
+                <a:solidFill>
+                  <a:srgbClr val="ffffff"/>
+                </a:solidFill>
+              </a:uFill>
+              <a:latin typeface="Arial"/>
+            </a:endParaRPr>
+          </a:p>
+        </p:txBody>
+      </p:sp>
+      <p:sp>
+        <p:nvSpPr>
+          <p:cNvPr id="61" name="PlaceHolder 2"/>
           <p:cNvSpPr>
             <a:spLocks noGrp="1"/>
           </p:cNvSpPr>
@@ -1359,7 +1335,7 @@
         <p:spPr>
           <a:xfrm>
             <a:off x="392040" y="1198440"/>
-            <a:ext cx="4077720" cy="4893840"/>
+            <a:ext cx="4077360" cy="4893480"/>
           </a:xfrm>
           <a:prstGeom prst="rect">
             <a:avLst/>
@@ -1370,23 +1346,23 @@
             <a:normAutofit/>
           </a:bodyPr>
           <a:p>
-            <a:endParaRPr b="0" lang="de-DE" sz="2000" spc="-1" strike="noStrike">
-              <a:solidFill>
-                <a:srgbClr val="000000"/>
-              </a:solidFill>
-              <a:uFill>
-                <a:solidFill>
-                  <a:srgbClr val="ffffff"/>
-                </a:solidFill>
-              </a:uFill>
-              <a:latin typeface="Arial"/>
-            </a:endParaRPr>
-          </a:p>
-        </p:txBody>
-      </p:sp>
-      <p:sp>
-        <p:nvSpPr>
-          <p:cNvPr id="63" name="PlaceHolder 3"/>
+            <a:endParaRPr b="0" lang="de-DE" sz="3200" spc="-1" strike="noStrike">
+              <a:solidFill>
+                <a:srgbClr val="000000"/>
+              </a:solidFill>
+              <a:uFill>
+                <a:solidFill>
+                  <a:srgbClr val="ffffff"/>
+                </a:solidFill>
+              </a:uFill>
+              <a:latin typeface="Arial"/>
+            </a:endParaRPr>
+          </a:p>
+        </p:txBody>
+      </p:sp>
+      <p:sp>
+        <p:nvSpPr>
+          <p:cNvPr id="62" name="PlaceHolder 3"/>
           <p:cNvSpPr>
             <a:spLocks noGrp="1"/>
           </p:cNvSpPr>
@@ -1396,8 +1372,8 @@
         </p:nvSpPr>
         <p:spPr>
           <a:xfrm>
-            <a:off x="4673880" y="1198440"/>
-            <a:ext cx="4077720" cy="4893840"/>
+            <a:off x="4673520" y="1198440"/>
+            <a:ext cx="4077360" cy="4893480"/>
           </a:xfrm>
           <a:prstGeom prst="rect">
             <a:avLst/>
@@ -1408,7 +1384,7 @@
             <a:normAutofit/>
           </a:bodyPr>
           <a:p>
-            <a:endParaRPr b="0" lang="de-DE" sz="2000" spc="-1" strike="noStrike">
+            <a:endParaRPr b="0" lang="de-DE" sz="3200" spc="-1" strike="noStrike">
               <a:solidFill>
                 <a:srgbClr val="000000"/>
               </a:solidFill>
@@ -1446,7 +1422,7 @@
       </p:grpSpPr>
       <p:sp>
         <p:nvSpPr>
-          <p:cNvPr id="64" name="PlaceHolder 1"/>
+          <p:cNvPr id="63" name="PlaceHolder 1"/>
           <p:cNvSpPr>
             <a:spLocks noGrp="1"/>
           </p:cNvSpPr>
@@ -1456,8 +1432,8 @@
         </p:nvSpPr>
         <p:spPr>
           <a:xfrm>
-            <a:off x="390600" y="333360"/>
-            <a:ext cx="6911640" cy="561600"/>
+            <a:off x="390600" y="-11160"/>
+            <a:ext cx="6911280" cy="1250280"/>
           </a:xfrm>
           <a:prstGeom prst="rect">
             <a:avLst/>
@@ -1466,7 +1442,8 @@
         <p:txBody>
           <a:bodyPr lIns="0" rIns="0" tIns="0" bIns="0" anchor="ctr"/>
           <a:p>
-            <a:endParaRPr b="0" lang="de-DE" sz="1800" spc="-1" strike="noStrike">
+            <a:pPr algn="ctr"/>
+            <a:endParaRPr b="0" lang="de-DE" sz="4400" spc="-1" strike="noStrike">
               <a:solidFill>
                 <a:srgbClr val="000000"/>
               </a:solidFill>
@@ -1504,7 +1481,7 @@
       </p:grpSpPr>
       <p:sp>
         <p:nvSpPr>
-          <p:cNvPr id="65" name="PlaceHolder 1"/>
+          <p:cNvPr id="64" name="PlaceHolder 1"/>
           <p:cNvSpPr>
             <a:spLocks noGrp="1"/>
           </p:cNvSpPr>
@@ -1515,7 +1492,7 @@
         <p:spPr>
           <a:xfrm>
             <a:off x="390600" y="333360"/>
-            <a:ext cx="6911640" cy="2604600"/>
+            <a:ext cx="6911280" cy="2602800"/>
           </a:xfrm>
           <a:prstGeom prst="rect">
             <a:avLst/>
@@ -1563,7 +1540,7 @@
       </p:grpSpPr>
       <p:sp>
         <p:nvSpPr>
-          <p:cNvPr id="66" name="PlaceHolder 1"/>
+          <p:cNvPr id="65" name="PlaceHolder 1"/>
           <p:cNvSpPr>
             <a:spLocks noGrp="1"/>
           </p:cNvSpPr>
@@ -1573,8 +1550,8 @@
         </p:nvSpPr>
         <p:spPr>
           <a:xfrm>
-            <a:off x="390600" y="333360"/>
-            <a:ext cx="6911640" cy="561600"/>
+            <a:off x="390600" y="-11160"/>
+            <a:ext cx="6911280" cy="1250280"/>
           </a:xfrm>
           <a:prstGeom prst="rect">
             <a:avLst/>
@@ -1583,23 +1560,24 @@
         <p:txBody>
           <a:bodyPr lIns="0" rIns="0" tIns="0" bIns="0" anchor="ctr"/>
           <a:p>
-            <a:endParaRPr b="0" lang="de-DE" sz="1800" spc="-1" strike="noStrike">
-              <a:solidFill>
-                <a:srgbClr val="000000"/>
-              </a:solidFill>
-              <a:uFill>
-                <a:solidFill>
-                  <a:srgbClr val="ffffff"/>
-                </a:solidFill>
-              </a:uFill>
-              <a:latin typeface="Arial"/>
-            </a:endParaRPr>
-          </a:p>
-        </p:txBody>
-      </p:sp>
-      <p:sp>
-        <p:nvSpPr>
-          <p:cNvPr id="67" name="PlaceHolder 2"/>
+            <a:pPr algn="ctr"/>
+            <a:endParaRPr b="0" lang="de-DE" sz="4400" spc="-1" strike="noStrike">
+              <a:solidFill>
+                <a:srgbClr val="000000"/>
+              </a:solidFill>
+              <a:uFill>
+                <a:solidFill>
+                  <a:srgbClr val="ffffff"/>
+                </a:solidFill>
+              </a:uFill>
+              <a:latin typeface="Arial"/>
+            </a:endParaRPr>
+          </a:p>
+        </p:txBody>
+      </p:sp>
+      <p:sp>
+        <p:nvSpPr>
+          <p:cNvPr id="66" name="PlaceHolder 2"/>
           <p:cNvSpPr>
             <a:spLocks noGrp="1"/>
           </p:cNvSpPr>
@@ -1610,7 +1588,7 @@
         <p:spPr>
           <a:xfrm>
             <a:off x="392040" y="1198440"/>
-            <a:ext cx="4077720" cy="2334240"/>
+            <a:ext cx="4077360" cy="2333880"/>
           </a:xfrm>
           <a:prstGeom prst="rect">
             <a:avLst/>
@@ -1621,23 +1599,23 @@
             <a:normAutofit/>
           </a:bodyPr>
           <a:p>
-            <a:endParaRPr b="0" lang="de-DE" sz="2000" spc="-1" strike="noStrike">
-              <a:solidFill>
-                <a:srgbClr val="000000"/>
-              </a:solidFill>
-              <a:uFill>
-                <a:solidFill>
-                  <a:srgbClr val="ffffff"/>
-                </a:solidFill>
-              </a:uFill>
-              <a:latin typeface="Arial"/>
-            </a:endParaRPr>
-          </a:p>
-        </p:txBody>
-      </p:sp>
-      <p:sp>
-        <p:nvSpPr>
-          <p:cNvPr id="68" name="PlaceHolder 3"/>
+            <a:endParaRPr b="0" lang="de-DE" sz="3200" spc="-1" strike="noStrike">
+              <a:solidFill>
+                <a:srgbClr val="000000"/>
+              </a:solidFill>
+              <a:uFill>
+                <a:solidFill>
+                  <a:srgbClr val="ffffff"/>
+                </a:solidFill>
+              </a:uFill>
+              <a:latin typeface="Arial"/>
+            </a:endParaRPr>
+          </a:p>
+        </p:txBody>
+      </p:sp>
+      <p:sp>
+        <p:nvSpPr>
+          <p:cNvPr id="67" name="PlaceHolder 3"/>
           <p:cNvSpPr>
             <a:spLocks noGrp="1"/>
           </p:cNvSpPr>
@@ -1647,8 +1625,8 @@
         </p:nvSpPr>
         <p:spPr>
           <a:xfrm>
-            <a:off x="392040" y="3754800"/>
-            <a:ext cx="4077720" cy="2334240"/>
+            <a:off x="392040" y="3754440"/>
+            <a:ext cx="4077360" cy="2333880"/>
           </a:xfrm>
           <a:prstGeom prst="rect">
             <a:avLst/>
@@ -1659,23 +1637,23 @@
             <a:normAutofit/>
           </a:bodyPr>
           <a:p>
-            <a:endParaRPr b="0" lang="de-DE" sz="2000" spc="-1" strike="noStrike">
-              <a:solidFill>
-                <a:srgbClr val="000000"/>
-              </a:solidFill>
-              <a:uFill>
-                <a:solidFill>
-                  <a:srgbClr val="ffffff"/>
-                </a:solidFill>
-              </a:uFill>
-              <a:latin typeface="Arial"/>
-            </a:endParaRPr>
-          </a:p>
-        </p:txBody>
-      </p:sp>
-      <p:sp>
-        <p:nvSpPr>
-          <p:cNvPr id="69" name="PlaceHolder 4"/>
+            <a:endParaRPr b="0" lang="de-DE" sz="3200" spc="-1" strike="noStrike">
+              <a:solidFill>
+                <a:srgbClr val="000000"/>
+              </a:solidFill>
+              <a:uFill>
+                <a:solidFill>
+                  <a:srgbClr val="ffffff"/>
+                </a:solidFill>
+              </a:uFill>
+              <a:latin typeface="Arial"/>
+            </a:endParaRPr>
+          </a:p>
+        </p:txBody>
+      </p:sp>
+      <p:sp>
+        <p:nvSpPr>
+          <p:cNvPr id="68" name="PlaceHolder 4"/>
           <p:cNvSpPr>
             <a:spLocks noGrp="1"/>
           </p:cNvSpPr>
@@ -1685,8 +1663,8 @@
         </p:nvSpPr>
         <p:spPr>
           <a:xfrm>
-            <a:off x="4673880" y="1198440"/>
-            <a:ext cx="4077720" cy="4893840"/>
+            <a:off x="4673520" y="1198440"/>
+            <a:ext cx="4077360" cy="4893480"/>
           </a:xfrm>
           <a:prstGeom prst="rect">
             <a:avLst/>
@@ -1697,7 +1675,7 @@
             <a:normAutofit/>
           </a:bodyPr>
           <a:p>
-            <a:endParaRPr b="0" lang="de-DE" sz="2000" spc="-1" strike="noStrike">
+            <a:endParaRPr b="0" lang="de-DE" sz="3200" spc="-1" strike="noStrike">
               <a:solidFill>
                 <a:srgbClr val="000000"/>
               </a:solidFill>
@@ -1745,8 +1723,8 @@
         </p:nvSpPr>
         <p:spPr>
           <a:xfrm>
-            <a:off x="390600" y="333360"/>
-            <a:ext cx="6911640" cy="561600"/>
+            <a:off x="390600" y="-11160"/>
+            <a:ext cx="6911280" cy="1250280"/>
           </a:xfrm>
           <a:prstGeom prst="rect">
             <a:avLst/>
@@ -1755,7 +1733,8 @@
         <p:txBody>
           <a:bodyPr lIns="0" rIns="0" tIns="0" bIns="0" anchor="ctr"/>
           <a:p>
-            <a:endParaRPr b="0" lang="de-DE" sz="1800" spc="-1" strike="noStrike">
+            <a:pPr algn="ctr"/>
+            <a:endParaRPr b="0" lang="de-DE" sz="4400" spc="-1" strike="noStrike">
               <a:solidFill>
                 <a:srgbClr val="000000"/>
               </a:solidFill>
@@ -1782,7 +1761,7 @@
         <p:spPr>
           <a:xfrm>
             <a:off x="392040" y="1198440"/>
-            <a:ext cx="8356320" cy="4893840"/>
+            <a:ext cx="8355960" cy="4893480"/>
           </a:xfrm>
           <a:prstGeom prst="rect">
             <a:avLst/>
@@ -1830,7 +1809,7 @@
       </p:grpSpPr>
       <p:sp>
         <p:nvSpPr>
-          <p:cNvPr id="70" name="PlaceHolder 1"/>
+          <p:cNvPr id="69" name="PlaceHolder 1"/>
           <p:cNvSpPr>
             <a:spLocks noGrp="1"/>
           </p:cNvSpPr>
@@ -1840,8 +1819,8 @@
         </p:nvSpPr>
         <p:spPr>
           <a:xfrm>
-            <a:off x="390600" y="333360"/>
-            <a:ext cx="6911640" cy="561600"/>
+            <a:off x="390600" y="-11160"/>
+            <a:ext cx="6911280" cy="1250280"/>
           </a:xfrm>
           <a:prstGeom prst="rect">
             <a:avLst/>
@@ -1850,23 +1829,24 @@
         <p:txBody>
           <a:bodyPr lIns="0" rIns="0" tIns="0" bIns="0" anchor="ctr"/>
           <a:p>
-            <a:endParaRPr b="0" lang="de-DE" sz="1800" spc="-1" strike="noStrike">
-              <a:solidFill>
-                <a:srgbClr val="000000"/>
-              </a:solidFill>
-              <a:uFill>
-                <a:solidFill>
-                  <a:srgbClr val="ffffff"/>
-                </a:solidFill>
-              </a:uFill>
-              <a:latin typeface="Arial"/>
-            </a:endParaRPr>
-          </a:p>
-        </p:txBody>
-      </p:sp>
-      <p:sp>
-        <p:nvSpPr>
-          <p:cNvPr id="71" name="PlaceHolder 2"/>
+            <a:pPr algn="ctr"/>
+            <a:endParaRPr b="0" lang="de-DE" sz="4400" spc="-1" strike="noStrike">
+              <a:solidFill>
+                <a:srgbClr val="000000"/>
+              </a:solidFill>
+              <a:uFill>
+                <a:solidFill>
+                  <a:srgbClr val="ffffff"/>
+                </a:solidFill>
+              </a:uFill>
+              <a:latin typeface="Arial"/>
+            </a:endParaRPr>
+          </a:p>
+        </p:txBody>
+      </p:sp>
+      <p:sp>
+        <p:nvSpPr>
+          <p:cNvPr id="70" name="PlaceHolder 2"/>
           <p:cNvSpPr>
             <a:spLocks noGrp="1"/>
           </p:cNvSpPr>
@@ -1877,7 +1857,7 @@
         <p:spPr>
           <a:xfrm>
             <a:off x="392040" y="1198440"/>
-            <a:ext cx="4077720" cy="4893840"/>
+            <a:ext cx="4077360" cy="4893480"/>
           </a:xfrm>
           <a:prstGeom prst="rect">
             <a:avLst/>
@@ -1888,23 +1868,23 @@
             <a:normAutofit/>
           </a:bodyPr>
           <a:p>
-            <a:endParaRPr b="0" lang="de-DE" sz="2000" spc="-1" strike="noStrike">
-              <a:solidFill>
-                <a:srgbClr val="000000"/>
-              </a:solidFill>
-              <a:uFill>
-                <a:solidFill>
-                  <a:srgbClr val="ffffff"/>
-                </a:solidFill>
-              </a:uFill>
-              <a:latin typeface="Arial"/>
-            </a:endParaRPr>
-          </a:p>
-        </p:txBody>
-      </p:sp>
-      <p:sp>
-        <p:nvSpPr>
-          <p:cNvPr id="72" name="PlaceHolder 3"/>
+            <a:endParaRPr b="0" lang="de-DE" sz="3200" spc="-1" strike="noStrike">
+              <a:solidFill>
+                <a:srgbClr val="000000"/>
+              </a:solidFill>
+              <a:uFill>
+                <a:solidFill>
+                  <a:srgbClr val="ffffff"/>
+                </a:solidFill>
+              </a:uFill>
+              <a:latin typeface="Arial"/>
+            </a:endParaRPr>
+          </a:p>
+        </p:txBody>
+      </p:sp>
+      <p:sp>
+        <p:nvSpPr>
+          <p:cNvPr id="71" name="PlaceHolder 3"/>
           <p:cNvSpPr>
             <a:spLocks noGrp="1"/>
           </p:cNvSpPr>
@@ -1914,8 +1894,8 @@
         </p:nvSpPr>
         <p:spPr>
           <a:xfrm>
-            <a:off x="4673880" y="1198440"/>
-            <a:ext cx="4077720" cy="2334240"/>
+            <a:off x="4673520" y="1198440"/>
+            <a:ext cx="4077360" cy="2333880"/>
           </a:xfrm>
           <a:prstGeom prst="rect">
             <a:avLst/>
@@ -1926,23 +1906,23 @@
             <a:normAutofit/>
           </a:bodyPr>
           <a:p>
-            <a:endParaRPr b="0" lang="de-DE" sz="2000" spc="-1" strike="noStrike">
-              <a:solidFill>
-                <a:srgbClr val="000000"/>
-              </a:solidFill>
-              <a:uFill>
-                <a:solidFill>
-                  <a:srgbClr val="ffffff"/>
-                </a:solidFill>
-              </a:uFill>
-              <a:latin typeface="Arial"/>
-            </a:endParaRPr>
-          </a:p>
-        </p:txBody>
-      </p:sp>
-      <p:sp>
-        <p:nvSpPr>
-          <p:cNvPr id="73" name="PlaceHolder 4"/>
+            <a:endParaRPr b="0" lang="de-DE" sz="3200" spc="-1" strike="noStrike">
+              <a:solidFill>
+                <a:srgbClr val="000000"/>
+              </a:solidFill>
+              <a:uFill>
+                <a:solidFill>
+                  <a:srgbClr val="ffffff"/>
+                </a:solidFill>
+              </a:uFill>
+              <a:latin typeface="Arial"/>
+            </a:endParaRPr>
+          </a:p>
+        </p:txBody>
+      </p:sp>
+      <p:sp>
+        <p:nvSpPr>
+          <p:cNvPr id="72" name="PlaceHolder 4"/>
           <p:cNvSpPr>
             <a:spLocks noGrp="1"/>
           </p:cNvSpPr>
@@ -1952,8 +1932,8 @@
         </p:nvSpPr>
         <p:spPr>
           <a:xfrm>
-            <a:off x="4673880" y="3754800"/>
-            <a:ext cx="4077720" cy="2334240"/>
+            <a:off x="4673520" y="3754440"/>
+            <a:ext cx="4077360" cy="2333880"/>
           </a:xfrm>
           <a:prstGeom prst="rect">
             <a:avLst/>
@@ -1964,7 +1944,7 @@
             <a:normAutofit/>
           </a:bodyPr>
           <a:p>
-            <a:endParaRPr b="0" lang="de-DE" sz="2000" spc="-1" strike="noStrike">
+            <a:endParaRPr b="0" lang="de-DE" sz="3200" spc="-1" strike="noStrike">
               <a:solidFill>
                 <a:srgbClr val="000000"/>
               </a:solidFill>
@@ -2002,7 +1982,7 @@
       </p:grpSpPr>
       <p:sp>
         <p:nvSpPr>
-          <p:cNvPr id="74" name="PlaceHolder 1"/>
+          <p:cNvPr id="73" name="PlaceHolder 1"/>
           <p:cNvSpPr>
             <a:spLocks noGrp="1"/>
           </p:cNvSpPr>
@@ -2012,8 +1992,8 @@
         </p:nvSpPr>
         <p:spPr>
           <a:xfrm>
-            <a:off x="390600" y="333360"/>
-            <a:ext cx="6911640" cy="561600"/>
+            <a:off x="390600" y="-11160"/>
+            <a:ext cx="6911280" cy="1250280"/>
           </a:xfrm>
           <a:prstGeom prst="rect">
             <a:avLst/>
@@ -2022,23 +2002,24 @@
         <p:txBody>
           <a:bodyPr lIns="0" rIns="0" tIns="0" bIns="0" anchor="ctr"/>
           <a:p>
-            <a:endParaRPr b="0" lang="de-DE" sz="1800" spc="-1" strike="noStrike">
-              <a:solidFill>
-                <a:srgbClr val="000000"/>
-              </a:solidFill>
-              <a:uFill>
-                <a:solidFill>
-                  <a:srgbClr val="ffffff"/>
-                </a:solidFill>
-              </a:uFill>
-              <a:latin typeface="Arial"/>
-            </a:endParaRPr>
-          </a:p>
-        </p:txBody>
-      </p:sp>
-      <p:sp>
-        <p:nvSpPr>
-          <p:cNvPr id="75" name="PlaceHolder 2"/>
+            <a:pPr algn="ctr"/>
+            <a:endParaRPr b="0" lang="de-DE" sz="4400" spc="-1" strike="noStrike">
+              <a:solidFill>
+                <a:srgbClr val="000000"/>
+              </a:solidFill>
+              <a:uFill>
+                <a:solidFill>
+                  <a:srgbClr val="ffffff"/>
+                </a:solidFill>
+              </a:uFill>
+              <a:latin typeface="Arial"/>
+            </a:endParaRPr>
+          </a:p>
+        </p:txBody>
+      </p:sp>
+      <p:sp>
+        <p:nvSpPr>
+          <p:cNvPr id="74" name="PlaceHolder 2"/>
           <p:cNvSpPr>
             <a:spLocks noGrp="1"/>
           </p:cNvSpPr>
@@ -2049,7 +2030,7 @@
         <p:spPr>
           <a:xfrm>
             <a:off x="392040" y="1198440"/>
-            <a:ext cx="4077720" cy="2334240"/>
+            <a:ext cx="4077360" cy="2333880"/>
           </a:xfrm>
           <a:prstGeom prst="rect">
             <a:avLst/>
@@ -2060,23 +2041,23 @@
             <a:normAutofit/>
           </a:bodyPr>
           <a:p>
-            <a:endParaRPr b="0" lang="de-DE" sz="2000" spc="-1" strike="noStrike">
-              <a:solidFill>
-                <a:srgbClr val="000000"/>
-              </a:solidFill>
-              <a:uFill>
-                <a:solidFill>
-                  <a:srgbClr val="ffffff"/>
-                </a:solidFill>
-              </a:uFill>
-              <a:latin typeface="Arial"/>
-            </a:endParaRPr>
-          </a:p>
-        </p:txBody>
-      </p:sp>
-      <p:sp>
-        <p:nvSpPr>
-          <p:cNvPr id="76" name="PlaceHolder 3"/>
+            <a:endParaRPr b="0" lang="de-DE" sz="3200" spc="-1" strike="noStrike">
+              <a:solidFill>
+                <a:srgbClr val="000000"/>
+              </a:solidFill>
+              <a:uFill>
+                <a:solidFill>
+                  <a:srgbClr val="ffffff"/>
+                </a:solidFill>
+              </a:uFill>
+              <a:latin typeface="Arial"/>
+            </a:endParaRPr>
+          </a:p>
+        </p:txBody>
+      </p:sp>
+      <p:sp>
+        <p:nvSpPr>
+          <p:cNvPr id="75" name="PlaceHolder 3"/>
           <p:cNvSpPr>
             <a:spLocks noGrp="1"/>
           </p:cNvSpPr>
@@ -2086,8 +2067,8 @@
         </p:nvSpPr>
         <p:spPr>
           <a:xfrm>
-            <a:off x="4673880" y="1198440"/>
-            <a:ext cx="4077720" cy="2334240"/>
+            <a:off x="4673520" y="1198440"/>
+            <a:ext cx="4077360" cy="2333880"/>
           </a:xfrm>
           <a:prstGeom prst="rect">
             <a:avLst/>
@@ -2098,23 +2079,23 @@
             <a:normAutofit/>
           </a:bodyPr>
           <a:p>
-            <a:endParaRPr b="0" lang="de-DE" sz="2000" spc="-1" strike="noStrike">
-              <a:solidFill>
-                <a:srgbClr val="000000"/>
-              </a:solidFill>
-              <a:uFill>
-                <a:solidFill>
-                  <a:srgbClr val="ffffff"/>
-                </a:solidFill>
-              </a:uFill>
-              <a:latin typeface="Arial"/>
-            </a:endParaRPr>
-          </a:p>
-        </p:txBody>
-      </p:sp>
-      <p:sp>
-        <p:nvSpPr>
-          <p:cNvPr id="77" name="PlaceHolder 4"/>
+            <a:endParaRPr b="0" lang="de-DE" sz="3200" spc="-1" strike="noStrike">
+              <a:solidFill>
+                <a:srgbClr val="000000"/>
+              </a:solidFill>
+              <a:uFill>
+                <a:solidFill>
+                  <a:srgbClr val="ffffff"/>
+                </a:solidFill>
+              </a:uFill>
+              <a:latin typeface="Arial"/>
+            </a:endParaRPr>
+          </a:p>
+        </p:txBody>
+      </p:sp>
+      <p:sp>
+        <p:nvSpPr>
+          <p:cNvPr id="76" name="PlaceHolder 4"/>
           <p:cNvSpPr>
             <a:spLocks noGrp="1"/>
           </p:cNvSpPr>
@@ -2124,8 +2105,8 @@
         </p:nvSpPr>
         <p:spPr>
           <a:xfrm>
-            <a:off x="392040" y="3754800"/>
-            <a:ext cx="8356320" cy="2334240"/>
+            <a:off x="392040" y="3754440"/>
+            <a:ext cx="8355960" cy="2333880"/>
           </a:xfrm>
           <a:prstGeom prst="rect">
             <a:avLst/>
@@ -2136,7 +2117,7 @@
             <a:normAutofit/>
           </a:bodyPr>
           <a:p>
-            <a:endParaRPr b="0" lang="de-DE" sz="2000" spc="-1" strike="noStrike">
+            <a:endParaRPr b="0" lang="de-DE" sz="3200" spc="-1" strike="noStrike">
               <a:solidFill>
                 <a:srgbClr val="000000"/>
               </a:solidFill>
@@ -2174,7 +2155,7 @@
       </p:grpSpPr>
       <p:sp>
         <p:nvSpPr>
-          <p:cNvPr id="78" name="PlaceHolder 1"/>
+          <p:cNvPr id="77" name="PlaceHolder 1"/>
           <p:cNvSpPr>
             <a:spLocks noGrp="1"/>
           </p:cNvSpPr>
@@ -2184,8 +2165,8 @@
         </p:nvSpPr>
         <p:spPr>
           <a:xfrm>
-            <a:off x="390600" y="333360"/>
-            <a:ext cx="6911640" cy="561600"/>
+            <a:off x="390600" y="-11160"/>
+            <a:ext cx="6911280" cy="1250280"/>
           </a:xfrm>
           <a:prstGeom prst="rect">
             <a:avLst/>
@@ -2194,23 +2175,24 @@
         <p:txBody>
           <a:bodyPr lIns="0" rIns="0" tIns="0" bIns="0" anchor="ctr"/>
           <a:p>
-            <a:endParaRPr b="0" lang="de-DE" sz="1800" spc="-1" strike="noStrike">
-              <a:solidFill>
-                <a:srgbClr val="000000"/>
-              </a:solidFill>
-              <a:uFill>
-                <a:solidFill>
-                  <a:srgbClr val="ffffff"/>
-                </a:solidFill>
-              </a:uFill>
-              <a:latin typeface="Arial"/>
-            </a:endParaRPr>
-          </a:p>
-        </p:txBody>
-      </p:sp>
-      <p:sp>
-        <p:nvSpPr>
-          <p:cNvPr id="79" name="PlaceHolder 2"/>
+            <a:pPr algn="ctr"/>
+            <a:endParaRPr b="0" lang="de-DE" sz="4400" spc="-1" strike="noStrike">
+              <a:solidFill>
+                <a:srgbClr val="000000"/>
+              </a:solidFill>
+              <a:uFill>
+                <a:solidFill>
+                  <a:srgbClr val="ffffff"/>
+                </a:solidFill>
+              </a:uFill>
+              <a:latin typeface="Arial"/>
+            </a:endParaRPr>
+          </a:p>
+        </p:txBody>
+      </p:sp>
+      <p:sp>
+        <p:nvSpPr>
+          <p:cNvPr id="78" name="PlaceHolder 2"/>
           <p:cNvSpPr>
             <a:spLocks noGrp="1"/>
           </p:cNvSpPr>
@@ -2221,7 +2203,7 @@
         <p:spPr>
           <a:xfrm>
             <a:off x="392040" y="1198440"/>
-            <a:ext cx="8356320" cy="2334240"/>
+            <a:ext cx="8355960" cy="2333880"/>
           </a:xfrm>
           <a:prstGeom prst="rect">
             <a:avLst/>
@@ -2232,23 +2214,23 @@
             <a:normAutofit/>
           </a:bodyPr>
           <a:p>
-            <a:endParaRPr b="0" lang="de-DE" sz="2000" spc="-1" strike="noStrike">
-              <a:solidFill>
-                <a:srgbClr val="000000"/>
-              </a:solidFill>
-              <a:uFill>
-                <a:solidFill>
-                  <a:srgbClr val="ffffff"/>
-                </a:solidFill>
-              </a:uFill>
-              <a:latin typeface="Arial"/>
-            </a:endParaRPr>
-          </a:p>
-        </p:txBody>
-      </p:sp>
-      <p:sp>
-        <p:nvSpPr>
-          <p:cNvPr id="80" name="PlaceHolder 3"/>
+            <a:endParaRPr b="0" lang="de-DE" sz="3200" spc="-1" strike="noStrike">
+              <a:solidFill>
+                <a:srgbClr val="000000"/>
+              </a:solidFill>
+              <a:uFill>
+                <a:solidFill>
+                  <a:srgbClr val="ffffff"/>
+                </a:solidFill>
+              </a:uFill>
+              <a:latin typeface="Arial"/>
+            </a:endParaRPr>
+          </a:p>
+        </p:txBody>
+      </p:sp>
+      <p:sp>
+        <p:nvSpPr>
+          <p:cNvPr id="79" name="PlaceHolder 3"/>
           <p:cNvSpPr>
             <a:spLocks noGrp="1"/>
           </p:cNvSpPr>
@@ -2258,8 +2240,8 @@
         </p:nvSpPr>
         <p:spPr>
           <a:xfrm>
-            <a:off x="392040" y="3754800"/>
-            <a:ext cx="8356320" cy="2334240"/>
+            <a:off x="392040" y="3754440"/>
+            <a:ext cx="8355960" cy="2333880"/>
           </a:xfrm>
           <a:prstGeom prst="rect">
             <a:avLst/>
@@ -2270,7 +2252,7 @@
             <a:normAutofit/>
           </a:bodyPr>
           <a:p>
-            <a:endParaRPr b="0" lang="de-DE" sz="2000" spc="-1" strike="noStrike">
+            <a:endParaRPr b="0" lang="de-DE" sz="3200" spc="-1" strike="noStrike">
               <a:solidFill>
                 <a:srgbClr val="000000"/>
               </a:solidFill>
@@ -2308,7 +2290,7 @@
       </p:grpSpPr>
       <p:sp>
         <p:nvSpPr>
-          <p:cNvPr id="81" name="PlaceHolder 1"/>
+          <p:cNvPr id="80" name="PlaceHolder 1"/>
           <p:cNvSpPr>
             <a:spLocks noGrp="1"/>
           </p:cNvSpPr>
@@ -2318,8 +2300,8 @@
         </p:nvSpPr>
         <p:spPr>
           <a:xfrm>
-            <a:off x="390600" y="333360"/>
-            <a:ext cx="6911640" cy="561600"/>
+            <a:off x="390600" y="-11160"/>
+            <a:ext cx="6911280" cy="1250280"/>
           </a:xfrm>
           <a:prstGeom prst="rect">
             <a:avLst/>
@@ -2328,23 +2310,24 @@
         <p:txBody>
           <a:bodyPr lIns="0" rIns="0" tIns="0" bIns="0" anchor="ctr"/>
           <a:p>
-            <a:endParaRPr b="0" lang="de-DE" sz="1800" spc="-1" strike="noStrike">
-              <a:solidFill>
-                <a:srgbClr val="000000"/>
-              </a:solidFill>
-              <a:uFill>
-                <a:solidFill>
-                  <a:srgbClr val="ffffff"/>
-                </a:solidFill>
-              </a:uFill>
-              <a:latin typeface="Arial"/>
-            </a:endParaRPr>
-          </a:p>
-        </p:txBody>
-      </p:sp>
-      <p:sp>
-        <p:nvSpPr>
-          <p:cNvPr id="82" name="PlaceHolder 2"/>
+            <a:pPr algn="ctr"/>
+            <a:endParaRPr b="0" lang="de-DE" sz="4400" spc="-1" strike="noStrike">
+              <a:solidFill>
+                <a:srgbClr val="000000"/>
+              </a:solidFill>
+              <a:uFill>
+                <a:solidFill>
+                  <a:srgbClr val="ffffff"/>
+                </a:solidFill>
+              </a:uFill>
+              <a:latin typeface="Arial"/>
+            </a:endParaRPr>
+          </a:p>
+        </p:txBody>
+      </p:sp>
+      <p:sp>
+        <p:nvSpPr>
+          <p:cNvPr id="81" name="PlaceHolder 2"/>
           <p:cNvSpPr>
             <a:spLocks noGrp="1"/>
           </p:cNvSpPr>
@@ -2355,7 +2338,7 @@
         <p:spPr>
           <a:xfrm>
             <a:off x="392040" y="1198440"/>
-            <a:ext cx="4077720" cy="2334240"/>
+            <a:ext cx="4077360" cy="2333880"/>
           </a:xfrm>
           <a:prstGeom prst="rect">
             <a:avLst/>
@@ -2366,23 +2349,23 @@
             <a:normAutofit/>
           </a:bodyPr>
           <a:p>
-            <a:endParaRPr b="0" lang="de-DE" sz="2000" spc="-1" strike="noStrike">
-              <a:solidFill>
-                <a:srgbClr val="000000"/>
-              </a:solidFill>
-              <a:uFill>
-                <a:solidFill>
-                  <a:srgbClr val="ffffff"/>
-                </a:solidFill>
-              </a:uFill>
-              <a:latin typeface="Arial"/>
-            </a:endParaRPr>
-          </a:p>
-        </p:txBody>
-      </p:sp>
-      <p:sp>
-        <p:nvSpPr>
-          <p:cNvPr id="83" name="PlaceHolder 3"/>
+            <a:endParaRPr b="0" lang="de-DE" sz="3200" spc="-1" strike="noStrike">
+              <a:solidFill>
+                <a:srgbClr val="000000"/>
+              </a:solidFill>
+              <a:uFill>
+                <a:solidFill>
+                  <a:srgbClr val="ffffff"/>
+                </a:solidFill>
+              </a:uFill>
+              <a:latin typeface="Arial"/>
+            </a:endParaRPr>
+          </a:p>
+        </p:txBody>
+      </p:sp>
+      <p:sp>
+        <p:nvSpPr>
+          <p:cNvPr id="82" name="PlaceHolder 3"/>
           <p:cNvSpPr>
             <a:spLocks noGrp="1"/>
           </p:cNvSpPr>
@@ -2392,8 +2375,8 @@
         </p:nvSpPr>
         <p:spPr>
           <a:xfrm>
-            <a:off x="4673880" y="1198440"/>
-            <a:ext cx="4077720" cy="2334240"/>
+            <a:off x="4673520" y="1198440"/>
+            <a:ext cx="4077360" cy="2333880"/>
           </a:xfrm>
           <a:prstGeom prst="rect">
             <a:avLst/>
@@ -2404,23 +2387,23 @@
             <a:normAutofit/>
           </a:bodyPr>
           <a:p>
-            <a:endParaRPr b="0" lang="de-DE" sz="2000" spc="-1" strike="noStrike">
-              <a:solidFill>
-                <a:srgbClr val="000000"/>
-              </a:solidFill>
-              <a:uFill>
-                <a:solidFill>
-                  <a:srgbClr val="ffffff"/>
-                </a:solidFill>
-              </a:uFill>
-              <a:latin typeface="Arial"/>
-            </a:endParaRPr>
-          </a:p>
-        </p:txBody>
-      </p:sp>
-      <p:sp>
-        <p:nvSpPr>
-          <p:cNvPr id="84" name="PlaceHolder 4"/>
+            <a:endParaRPr b="0" lang="de-DE" sz="3200" spc="-1" strike="noStrike">
+              <a:solidFill>
+                <a:srgbClr val="000000"/>
+              </a:solidFill>
+              <a:uFill>
+                <a:solidFill>
+                  <a:srgbClr val="ffffff"/>
+                </a:solidFill>
+              </a:uFill>
+              <a:latin typeface="Arial"/>
+            </a:endParaRPr>
+          </a:p>
+        </p:txBody>
+      </p:sp>
+      <p:sp>
+        <p:nvSpPr>
+          <p:cNvPr id="83" name="PlaceHolder 4"/>
           <p:cNvSpPr>
             <a:spLocks noGrp="1"/>
           </p:cNvSpPr>
@@ -2430,8 +2413,8 @@
         </p:nvSpPr>
         <p:spPr>
           <a:xfrm>
-            <a:off x="4673880" y="3754800"/>
-            <a:ext cx="4077720" cy="2334240"/>
+            <a:off x="4673520" y="3754440"/>
+            <a:ext cx="4077360" cy="2333880"/>
           </a:xfrm>
           <a:prstGeom prst="rect">
             <a:avLst/>
@@ -2442,23 +2425,23 @@
             <a:normAutofit/>
           </a:bodyPr>
           <a:p>
-            <a:endParaRPr b="0" lang="de-DE" sz="2000" spc="-1" strike="noStrike">
-              <a:solidFill>
-                <a:srgbClr val="000000"/>
-              </a:solidFill>
-              <a:uFill>
-                <a:solidFill>
-                  <a:srgbClr val="ffffff"/>
-                </a:solidFill>
-              </a:uFill>
-              <a:latin typeface="Arial"/>
-            </a:endParaRPr>
-          </a:p>
-        </p:txBody>
-      </p:sp>
-      <p:sp>
-        <p:nvSpPr>
-          <p:cNvPr id="85" name="PlaceHolder 5"/>
+            <a:endParaRPr b="0" lang="de-DE" sz="3200" spc="-1" strike="noStrike">
+              <a:solidFill>
+                <a:srgbClr val="000000"/>
+              </a:solidFill>
+              <a:uFill>
+                <a:solidFill>
+                  <a:srgbClr val="ffffff"/>
+                </a:solidFill>
+              </a:uFill>
+              <a:latin typeface="Arial"/>
+            </a:endParaRPr>
+          </a:p>
+        </p:txBody>
+      </p:sp>
+      <p:sp>
+        <p:nvSpPr>
+          <p:cNvPr id="84" name="PlaceHolder 5"/>
           <p:cNvSpPr>
             <a:spLocks noGrp="1"/>
           </p:cNvSpPr>
@@ -2468,8 +2451,8 @@
         </p:nvSpPr>
         <p:spPr>
           <a:xfrm>
-            <a:off x="392040" y="3754800"/>
-            <a:ext cx="4077720" cy="2334240"/>
+            <a:off x="392040" y="3754440"/>
+            <a:ext cx="4077360" cy="2333880"/>
           </a:xfrm>
           <a:prstGeom prst="rect">
             <a:avLst/>
@@ -2480,7 +2463,7 @@
             <a:normAutofit/>
           </a:bodyPr>
           <a:p>
-            <a:endParaRPr b="0" lang="de-DE" sz="2000" spc="-1" strike="noStrike">
+            <a:endParaRPr b="0" lang="de-DE" sz="3200" spc="-1" strike="noStrike">
               <a:solidFill>
                 <a:srgbClr val="000000"/>
               </a:solidFill>
@@ -2518,7 +2501,7 @@
       </p:grpSpPr>
       <p:sp>
         <p:nvSpPr>
-          <p:cNvPr id="86" name="PlaceHolder 1"/>
+          <p:cNvPr id="85" name="PlaceHolder 1"/>
           <p:cNvSpPr>
             <a:spLocks noGrp="1"/>
           </p:cNvSpPr>
@@ -2528,8 +2511,8 @@
         </p:nvSpPr>
         <p:spPr>
           <a:xfrm>
-            <a:off x="390600" y="333360"/>
-            <a:ext cx="6911640" cy="561600"/>
+            <a:off x="390600" y="-11160"/>
+            <a:ext cx="6911280" cy="1250280"/>
           </a:xfrm>
           <a:prstGeom prst="rect">
             <a:avLst/>
@@ -2538,23 +2521,24 @@
         <p:txBody>
           <a:bodyPr lIns="0" rIns="0" tIns="0" bIns="0" anchor="ctr"/>
           <a:p>
-            <a:endParaRPr b="0" lang="de-DE" sz="1800" spc="-1" strike="noStrike">
-              <a:solidFill>
-                <a:srgbClr val="000000"/>
-              </a:solidFill>
-              <a:uFill>
-                <a:solidFill>
-                  <a:srgbClr val="ffffff"/>
-                </a:solidFill>
-              </a:uFill>
-              <a:latin typeface="Arial"/>
-            </a:endParaRPr>
-          </a:p>
-        </p:txBody>
-      </p:sp>
-      <p:sp>
-        <p:nvSpPr>
-          <p:cNvPr id="87" name="PlaceHolder 2"/>
+            <a:pPr algn="ctr"/>
+            <a:endParaRPr b="0" lang="de-DE" sz="4400" spc="-1" strike="noStrike">
+              <a:solidFill>
+                <a:srgbClr val="000000"/>
+              </a:solidFill>
+              <a:uFill>
+                <a:solidFill>
+                  <a:srgbClr val="ffffff"/>
+                </a:solidFill>
+              </a:uFill>
+              <a:latin typeface="Arial"/>
+            </a:endParaRPr>
+          </a:p>
+        </p:txBody>
+      </p:sp>
+      <p:sp>
+        <p:nvSpPr>
+          <p:cNvPr id="86" name="PlaceHolder 2"/>
           <p:cNvSpPr>
             <a:spLocks noGrp="1"/>
           </p:cNvSpPr>
@@ -2565,7 +2549,7 @@
         <p:spPr>
           <a:xfrm>
             <a:off x="392040" y="1198440"/>
-            <a:ext cx="2690640" cy="2334240"/>
+            <a:ext cx="2690280" cy="2333880"/>
           </a:xfrm>
           <a:prstGeom prst="rect">
             <a:avLst/>
@@ -2576,23 +2560,23 @@
             <a:normAutofit/>
           </a:bodyPr>
           <a:p>
-            <a:endParaRPr b="0" lang="de-DE" sz="2000" spc="-1" strike="noStrike">
-              <a:solidFill>
-                <a:srgbClr val="000000"/>
-              </a:solidFill>
-              <a:uFill>
-                <a:solidFill>
-                  <a:srgbClr val="ffffff"/>
-                </a:solidFill>
-              </a:uFill>
-              <a:latin typeface="Arial"/>
-            </a:endParaRPr>
-          </a:p>
-        </p:txBody>
-      </p:sp>
-      <p:sp>
-        <p:nvSpPr>
-          <p:cNvPr id="88" name="PlaceHolder 3"/>
+            <a:endParaRPr b="0" lang="de-DE" sz="3200" spc="-1" strike="noStrike">
+              <a:solidFill>
+                <a:srgbClr val="000000"/>
+              </a:solidFill>
+              <a:uFill>
+                <a:solidFill>
+                  <a:srgbClr val="ffffff"/>
+                </a:solidFill>
+              </a:uFill>
+              <a:latin typeface="Arial"/>
+            </a:endParaRPr>
+          </a:p>
+        </p:txBody>
+      </p:sp>
+      <p:sp>
+        <p:nvSpPr>
+          <p:cNvPr id="87" name="PlaceHolder 3"/>
           <p:cNvSpPr>
             <a:spLocks noGrp="1"/>
           </p:cNvSpPr>
@@ -2602,8 +2586,8 @@
         </p:nvSpPr>
         <p:spPr>
           <a:xfrm>
-            <a:off x="3217680" y="1198440"/>
-            <a:ext cx="2690640" cy="2334240"/>
+            <a:off x="3217320" y="1198440"/>
+            <a:ext cx="2690280" cy="2333880"/>
           </a:xfrm>
           <a:prstGeom prst="rect">
             <a:avLst/>
@@ -2614,23 +2598,23 @@
             <a:normAutofit/>
           </a:bodyPr>
           <a:p>
-            <a:endParaRPr b="0" lang="de-DE" sz="2000" spc="-1" strike="noStrike">
-              <a:solidFill>
-                <a:srgbClr val="000000"/>
-              </a:solidFill>
-              <a:uFill>
-                <a:solidFill>
-                  <a:srgbClr val="ffffff"/>
-                </a:solidFill>
-              </a:uFill>
-              <a:latin typeface="Arial"/>
-            </a:endParaRPr>
-          </a:p>
-        </p:txBody>
-      </p:sp>
-      <p:sp>
-        <p:nvSpPr>
-          <p:cNvPr id="89" name="PlaceHolder 4"/>
+            <a:endParaRPr b="0" lang="de-DE" sz="3200" spc="-1" strike="noStrike">
+              <a:solidFill>
+                <a:srgbClr val="000000"/>
+              </a:solidFill>
+              <a:uFill>
+                <a:solidFill>
+                  <a:srgbClr val="ffffff"/>
+                </a:solidFill>
+              </a:uFill>
+              <a:latin typeface="Arial"/>
+            </a:endParaRPr>
+          </a:p>
+        </p:txBody>
+      </p:sp>
+      <p:sp>
+        <p:nvSpPr>
+          <p:cNvPr id="88" name="PlaceHolder 4"/>
           <p:cNvSpPr>
             <a:spLocks noGrp="1"/>
           </p:cNvSpPr>
@@ -2640,8 +2624,8 @@
         </p:nvSpPr>
         <p:spPr>
           <a:xfrm>
-            <a:off x="6043320" y="1198440"/>
-            <a:ext cx="2690640" cy="2334240"/>
+            <a:off x="6042240" y="1198440"/>
+            <a:ext cx="2690280" cy="2333880"/>
           </a:xfrm>
           <a:prstGeom prst="rect">
             <a:avLst/>
@@ -2652,23 +2636,23 @@
             <a:normAutofit/>
           </a:bodyPr>
           <a:p>
-            <a:endParaRPr b="0" lang="de-DE" sz="2000" spc="-1" strike="noStrike">
-              <a:solidFill>
-                <a:srgbClr val="000000"/>
-              </a:solidFill>
-              <a:uFill>
-                <a:solidFill>
-                  <a:srgbClr val="ffffff"/>
-                </a:solidFill>
-              </a:uFill>
-              <a:latin typeface="Arial"/>
-            </a:endParaRPr>
-          </a:p>
-        </p:txBody>
-      </p:sp>
-      <p:sp>
-        <p:nvSpPr>
-          <p:cNvPr id="90" name="PlaceHolder 5"/>
+            <a:endParaRPr b="0" lang="de-DE" sz="3200" spc="-1" strike="noStrike">
+              <a:solidFill>
+                <a:srgbClr val="000000"/>
+              </a:solidFill>
+              <a:uFill>
+                <a:solidFill>
+                  <a:srgbClr val="ffffff"/>
+                </a:solidFill>
+              </a:uFill>
+              <a:latin typeface="Arial"/>
+            </a:endParaRPr>
+          </a:p>
+        </p:txBody>
+      </p:sp>
+      <p:sp>
+        <p:nvSpPr>
+          <p:cNvPr id="89" name="PlaceHolder 5"/>
           <p:cNvSpPr>
             <a:spLocks noGrp="1"/>
           </p:cNvSpPr>
@@ -2678,8 +2662,8 @@
         </p:nvSpPr>
         <p:spPr>
           <a:xfrm>
-            <a:off x="6043320" y="3754800"/>
-            <a:ext cx="2690640" cy="2334240"/>
+            <a:off x="6042240" y="3754440"/>
+            <a:ext cx="2690280" cy="2333880"/>
           </a:xfrm>
           <a:prstGeom prst="rect">
             <a:avLst/>
@@ -2690,23 +2674,23 @@
             <a:normAutofit/>
           </a:bodyPr>
           <a:p>
-            <a:endParaRPr b="0" lang="de-DE" sz="2000" spc="-1" strike="noStrike">
-              <a:solidFill>
-                <a:srgbClr val="000000"/>
-              </a:solidFill>
-              <a:uFill>
-                <a:solidFill>
-                  <a:srgbClr val="ffffff"/>
-                </a:solidFill>
-              </a:uFill>
-              <a:latin typeface="Arial"/>
-            </a:endParaRPr>
-          </a:p>
-        </p:txBody>
-      </p:sp>
-      <p:sp>
-        <p:nvSpPr>
-          <p:cNvPr id="91" name="PlaceHolder 6"/>
+            <a:endParaRPr b="0" lang="de-DE" sz="3200" spc="-1" strike="noStrike">
+              <a:solidFill>
+                <a:srgbClr val="000000"/>
+              </a:solidFill>
+              <a:uFill>
+                <a:solidFill>
+                  <a:srgbClr val="ffffff"/>
+                </a:solidFill>
+              </a:uFill>
+              <a:latin typeface="Arial"/>
+            </a:endParaRPr>
+          </a:p>
+        </p:txBody>
+      </p:sp>
+      <p:sp>
+        <p:nvSpPr>
+          <p:cNvPr id="90" name="PlaceHolder 6"/>
           <p:cNvSpPr>
             <a:spLocks noGrp="1"/>
           </p:cNvSpPr>
@@ -2716,8 +2700,8 @@
         </p:nvSpPr>
         <p:spPr>
           <a:xfrm>
-            <a:off x="3217680" y="3754800"/>
-            <a:ext cx="2690640" cy="2334240"/>
+            <a:off x="3217320" y="3754440"/>
+            <a:ext cx="2690280" cy="2333880"/>
           </a:xfrm>
           <a:prstGeom prst="rect">
             <a:avLst/>
@@ -2728,23 +2712,23 @@
             <a:normAutofit/>
           </a:bodyPr>
           <a:p>
-            <a:endParaRPr b="0" lang="de-DE" sz="2000" spc="-1" strike="noStrike">
-              <a:solidFill>
-                <a:srgbClr val="000000"/>
-              </a:solidFill>
-              <a:uFill>
-                <a:solidFill>
-                  <a:srgbClr val="ffffff"/>
-                </a:solidFill>
-              </a:uFill>
-              <a:latin typeface="Arial"/>
-            </a:endParaRPr>
-          </a:p>
-        </p:txBody>
-      </p:sp>
-      <p:sp>
-        <p:nvSpPr>
-          <p:cNvPr id="92" name="PlaceHolder 7"/>
+            <a:endParaRPr b="0" lang="de-DE" sz="3200" spc="-1" strike="noStrike">
+              <a:solidFill>
+                <a:srgbClr val="000000"/>
+              </a:solidFill>
+              <a:uFill>
+                <a:solidFill>
+                  <a:srgbClr val="ffffff"/>
+                </a:solidFill>
+              </a:uFill>
+              <a:latin typeface="Arial"/>
+            </a:endParaRPr>
+          </a:p>
+        </p:txBody>
+      </p:sp>
+      <p:sp>
+        <p:nvSpPr>
+          <p:cNvPr id="91" name="PlaceHolder 7"/>
           <p:cNvSpPr>
             <a:spLocks noGrp="1"/>
           </p:cNvSpPr>
@@ -2754,8 +2738,8 @@
         </p:nvSpPr>
         <p:spPr>
           <a:xfrm>
-            <a:off x="392040" y="3754800"/>
-            <a:ext cx="2690640" cy="2334240"/>
+            <a:off x="392040" y="3754440"/>
+            <a:ext cx="2690280" cy="2333880"/>
           </a:xfrm>
           <a:prstGeom prst="rect">
             <a:avLst/>
@@ -2766,7 +2750,7 @@
             <a:normAutofit/>
           </a:bodyPr>
           <a:p>
-            <a:endParaRPr b="0" lang="de-DE" sz="2000" spc="-1" strike="noStrike">
+            <a:endParaRPr b="0" lang="de-DE" sz="3200" spc="-1" strike="noStrike">
               <a:solidFill>
                 <a:srgbClr val="000000"/>
               </a:solidFill>
@@ -2814,8 +2798,8 @@
         </p:nvSpPr>
         <p:spPr>
           <a:xfrm>
-            <a:off x="390600" y="333360"/>
-            <a:ext cx="6911640" cy="561600"/>
+            <a:off x="390600" y="-11160"/>
+            <a:ext cx="6911280" cy="1250280"/>
           </a:xfrm>
           <a:prstGeom prst="rect">
             <a:avLst/>
@@ -2824,7 +2808,8 @@
         <p:txBody>
           <a:bodyPr lIns="0" rIns="0" tIns="0" bIns="0" anchor="ctr"/>
           <a:p>
-            <a:endParaRPr b="0" lang="de-DE" sz="1800" spc="-1" strike="noStrike">
+            <a:pPr algn="ctr"/>
+            <a:endParaRPr b="0" lang="de-DE" sz="4400" spc="-1" strike="noStrike">
               <a:solidFill>
                 <a:srgbClr val="000000"/>
               </a:solidFill>
@@ -2851,7 +2836,7 @@
         <p:spPr>
           <a:xfrm>
             <a:off x="392040" y="1198440"/>
-            <a:ext cx="8356320" cy="4893840"/>
+            <a:ext cx="8355960" cy="4893480"/>
           </a:xfrm>
           <a:prstGeom prst="rect">
             <a:avLst/>
@@ -2862,7 +2847,7 @@
             <a:normAutofit/>
           </a:bodyPr>
           <a:p>
-            <a:endParaRPr b="0" lang="de-DE" sz="2000" spc="-1" strike="noStrike">
+            <a:endParaRPr b="0" lang="de-DE" sz="3200" spc="-1" strike="noStrike">
               <a:solidFill>
                 <a:srgbClr val="000000"/>
               </a:solidFill>
@@ -2910,8 +2895,8 @@
         </p:nvSpPr>
         <p:spPr>
           <a:xfrm>
-            <a:off x="390600" y="333360"/>
-            <a:ext cx="6911640" cy="561600"/>
+            <a:off x="390600" y="-11160"/>
+            <a:ext cx="6911280" cy="1250280"/>
           </a:xfrm>
           <a:prstGeom prst="rect">
             <a:avLst/>
@@ -2920,7 +2905,8 @@
         <p:txBody>
           <a:bodyPr lIns="0" rIns="0" tIns="0" bIns="0" anchor="ctr"/>
           <a:p>
-            <a:endParaRPr b="0" lang="de-DE" sz="1800" spc="-1" strike="noStrike">
+            <a:pPr algn="ctr"/>
+            <a:endParaRPr b="0" lang="de-DE" sz="4400" spc="-1" strike="noStrike">
               <a:solidFill>
                 <a:srgbClr val="000000"/>
               </a:solidFill>
@@ -2947,7 +2933,7 @@
         <p:spPr>
           <a:xfrm>
             <a:off x="392040" y="1198440"/>
-            <a:ext cx="4077720" cy="4893840"/>
+            <a:ext cx="4077360" cy="4893480"/>
           </a:xfrm>
           <a:prstGeom prst="rect">
             <a:avLst/>
@@ -2958,7 +2944,7 @@
             <a:normAutofit/>
           </a:bodyPr>
           <a:p>
-            <a:endParaRPr b="0" lang="de-DE" sz="2000" spc="-1" strike="noStrike">
+            <a:endParaRPr b="0" lang="de-DE" sz="3200" spc="-1" strike="noStrike">
               <a:solidFill>
                 <a:srgbClr val="000000"/>
               </a:solidFill>
@@ -2984,8 +2970,8 @@
         </p:nvSpPr>
         <p:spPr>
           <a:xfrm>
-            <a:off x="4673880" y="1198440"/>
-            <a:ext cx="4077720" cy="4893840"/>
+            <a:off x="4673520" y="1198440"/>
+            <a:ext cx="4077360" cy="4893480"/>
           </a:xfrm>
           <a:prstGeom prst="rect">
             <a:avLst/>
@@ -2996,7 +2982,7 @@
             <a:normAutofit/>
           </a:bodyPr>
           <a:p>
-            <a:endParaRPr b="0" lang="de-DE" sz="2000" spc="-1" strike="noStrike">
+            <a:endParaRPr b="0" lang="de-DE" sz="3200" spc="-1" strike="noStrike">
               <a:solidFill>
                 <a:srgbClr val="000000"/>
               </a:solidFill>
@@ -3044,8 +3030,8 @@
         </p:nvSpPr>
         <p:spPr>
           <a:xfrm>
-            <a:off x="390600" y="333360"/>
-            <a:ext cx="6911640" cy="561600"/>
+            <a:off x="390600" y="-11160"/>
+            <a:ext cx="6911280" cy="1250280"/>
           </a:xfrm>
           <a:prstGeom prst="rect">
             <a:avLst/>
@@ -3054,7 +3040,8 @@
         <p:txBody>
           <a:bodyPr lIns="0" rIns="0" tIns="0" bIns="0" anchor="ctr"/>
           <a:p>
-            <a:endParaRPr b="0" lang="de-DE" sz="1800" spc="-1" strike="noStrike">
+            <a:pPr algn="ctr"/>
+            <a:endParaRPr b="0" lang="de-DE" sz="4400" spc="-1" strike="noStrike">
               <a:solidFill>
                 <a:srgbClr val="000000"/>
               </a:solidFill>
@@ -3103,7 +3090,7 @@
         <p:spPr>
           <a:xfrm>
             <a:off x="390600" y="333360"/>
-            <a:ext cx="6911640" cy="2604600"/>
+            <a:ext cx="6911280" cy="2602800"/>
           </a:xfrm>
           <a:prstGeom prst="rect">
             <a:avLst/>
@@ -3161,8 +3148,8 @@
         </p:nvSpPr>
         <p:spPr>
           <a:xfrm>
-            <a:off x="390600" y="333360"/>
-            <a:ext cx="6911640" cy="561600"/>
+            <a:off x="390600" y="-11160"/>
+            <a:ext cx="6911280" cy="1250280"/>
           </a:xfrm>
           <a:prstGeom prst="rect">
             <a:avLst/>
@@ -3171,7 +3158,8 @@
         <p:txBody>
           <a:bodyPr lIns="0" rIns="0" tIns="0" bIns="0" anchor="ctr"/>
           <a:p>
-            <a:endParaRPr b="0" lang="de-DE" sz="1800" spc="-1" strike="noStrike">
+            <a:pPr algn="ctr"/>
+            <a:endParaRPr b="0" lang="de-DE" sz="4400" spc="-1" strike="noStrike">
               <a:solidFill>
                 <a:srgbClr val="000000"/>
               </a:solidFill>
@@ -3198,7 +3186,7 @@
         <p:spPr>
           <a:xfrm>
             <a:off x="392040" y="1198440"/>
-            <a:ext cx="4077720" cy="2334240"/>
+            <a:ext cx="4077360" cy="2333880"/>
           </a:xfrm>
           <a:prstGeom prst="rect">
             <a:avLst/>
@@ -3209,7 +3197,7 @@
             <a:normAutofit/>
           </a:bodyPr>
           <a:p>
-            <a:endParaRPr b="0" lang="de-DE" sz="2000" spc="-1" strike="noStrike">
+            <a:endParaRPr b="0" lang="de-DE" sz="3200" spc="-1" strike="noStrike">
               <a:solidFill>
                 <a:srgbClr val="000000"/>
               </a:solidFill>
@@ -3235,8 +3223,8 @@
         </p:nvSpPr>
         <p:spPr>
           <a:xfrm>
-            <a:off x="392040" y="3754800"/>
-            <a:ext cx="4077720" cy="2334240"/>
+            <a:off x="392040" y="3754440"/>
+            <a:ext cx="4077360" cy="2333880"/>
           </a:xfrm>
           <a:prstGeom prst="rect">
             <a:avLst/>
@@ -3247,7 +3235,7 @@
             <a:normAutofit/>
           </a:bodyPr>
           <a:p>
-            <a:endParaRPr b="0" lang="de-DE" sz="2000" spc="-1" strike="noStrike">
+            <a:endParaRPr b="0" lang="de-DE" sz="3200" spc="-1" strike="noStrike">
               <a:solidFill>
                 <a:srgbClr val="000000"/>
               </a:solidFill>
@@ -3273,8 +3261,8 @@
         </p:nvSpPr>
         <p:spPr>
           <a:xfrm>
-            <a:off x="4673880" y="1198440"/>
-            <a:ext cx="4077720" cy="4893840"/>
+            <a:off x="4673520" y="1198440"/>
+            <a:ext cx="4077360" cy="4893480"/>
           </a:xfrm>
           <a:prstGeom prst="rect">
             <a:avLst/>
@@ -3285,7 +3273,7 @@
             <a:normAutofit/>
           </a:bodyPr>
           <a:p>
-            <a:endParaRPr b="0" lang="de-DE" sz="2000" spc="-1" strike="noStrike">
+            <a:endParaRPr b="0" lang="de-DE" sz="3200" spc="-1" strike="noStrike">
               <a:solidFill>
                 <a:srgbClr val="000000"/>
               </a:solidFill>
@@ -3333,8 +3321,8 @@
         </p:nvSpPr>
         <p:spPr>
           <a:xfrm>
-            <a:off x="390600" y="333360"/>
-            <a:ext cx="6911640" cy="561600"/>
+            <a:off x="390600" y="-11160"/>
+            <a:ext cx="6911280" cy="1250280"/>
           </a:xfrm>
           <a:prstGeom prst="rect">
             <a:avLst/>
@@ -3343,7 +3331,8 @@
         <p:txBody>
           <a:bodyPr lIns="0" rIns="0" tIns="0" bIns="0" anchor="ctr"/>
           <a:p>
-            <a:endParaRPr b="0" lang="de-DE" sz="1800" spc="-1" strike="noStrike">
+            <a:pPr algn="ctr"/>
+            <a:endParaRPr b="0" lang="de-DE" sz="4400" spc="-1" strike="noStrike">
               <a:solidFill>
                 <a:srgbClr val="000000"/>
               </a:solidFill>
@@ -3370,7 +3359,7 @@
         <p:spPr>
           <a:xfrm>
             <a:off x="392040" y="1198440"/>
-            <a:ext cx="4077720" cy="4893840"/>
+            <a:ext cx="4077360" cy="4893480"/>
           </a:xfrm>
           <a:prstGeom prst="rect">
             <a:avLst/>
@@ -3381,7 +3370,7 @@
             <a:normAutofit/>
           </a:bodyPr>
           <a:p>
-            <a:endParaRPr b="0" lang="de-DE" sz="2000" spc="-1" strike="noStrike">
+            <a:endParaRPr b="0" lang="de-DE" sz="3200" spc="-1" strike="noStrike">
               <a:solidFill>
                 <a:srgbClr val="000000"/>
               </a:solidFill>
@@ -3407,8 +3396,8 @@
         </p:nvSpPr>
         <p:spPr>
           <a:xfrm>
-            <a:off x="4673880" y="1198440"/>
-            <a:ext cx="4077720" cy="2334240"/>
+            <a:off x="4673520" y="1198440"/>
+            <a:ext cx="4077360" cy="2333880"/>
           </a:xfrm>
           <a:prstGeom prst="rect">
             <a:avLst/>
@@ -3419,7 +3408,7 @@
             <a:normAutofit/>
           </a:bodyPr>
           <a:p>
-            <a:endParaRPr b="0" lang="de-DE" sz="2000" spc="-1" strike="noStrike">
+            <a:endParaRPr b="0" lang="de-DE" sz="3200" spc="-1" strike="noStrike">
               <a:solidFill>
                 <a:srgbClr val="000000"/>
               </a:solidFill>
@@ -3445,8 +3434,8 @@
         </p:nvSpPr>
         <p:spPr>
           <a:xfrm>
-            <a:off x="4673880" y="3754800"/>
-            <a:ext cx="4077720" cy="2334240"/>
+            <a:off x="4673520" y="3754440"/>
+            <a:ext cx="4077360" cy="2333880"/>
           </a:xfrm>
           <a:prstGeom prst="rect">
             <a:avLst/>
@@ -3457,7 +3446,7 @@
             <a:normAutofit/>
           </a:bodyPr>
           <a:p>
-            <a:endParaRPr b="0" lang="de-DE" sz="2000" spc="-1" strike="noStrike">
+            <a:endParaRPr b="0" lang="de-DE" sz="3200" spc="-1" strike="noStrike">
               <a:solidFill>
                 <a:srgbClr val="000000"/>
               </a:solidFill>
@@ -3505,8 +3494,8 @@
         </p:nvSpPr>
         <p:spPr>
           <a:xfrm>
-            <a:off x="390600" y="333360"/>
-            <a:ext cx="6911640" cy="561600"/>
+            <a:off x="390600" y="-11160"/>
+            <a:ext cx="6911280" cy="1250280"/>
           </a:xfrm>
           <a:prstGeom prst="rect">
             <a:avLst/>
@@ -3515,7 +3504,8 @@
         <p:txBody>
           <a:bodyPr lIns="0" rIns="0" tIns="0" bIns="0" anchor="ctr"/>
           <a:p>
-            <a:endParaRPr b="0" lang="de-DE" sz="1800" spc="-1" strike="noStrike">
+            <a:pPr algn="ctr"/>
+            <a:endParaRPr b="0" lang="de-DE" sz="4400" spc="-1" strike="noStrike">
               <a:solidFill>
                 <a:srgbClr val="000000"/>
               </a:solidFill>
@@ -3542,7 +3532,7 @@
         <p:spPr>
           <a:xfrm>
             <a:off x="392040" y="1198440"/>
-            <a:ext cx="4077720" cy="2334240"/>
+            <a:ext cx="4077360" cy="2333880"/>
           </a:xfrm>
           <a:prstGeom prst="rect">
             <a:avLst/>
@@ -3553,7 +3543,7 @@
             <a:normAutofit/>
           </a:bodyPr>
           <a:p>
-            <a:endParaRPr b="0" lang="de-DE" sz="2000" spc="-1" strike="noStrike">
+            <a:endParaRPr b="0" lang="de-DE" sz="3200" spc="-1" strike="noStrike">
               <a:solidFill>
                 <a:srgbClr val="000000"/>
               </a:solidFill>
@@ -3579,8 +3569,8 @@
         </p:nvSpPr>
         <p:spPr>
           <a:xfrm>
-            <a:off x="4673880" y="1198440"/>
-            <a:ext cx="4077720" cy="2334240"/>
+            <a:off x="4673520" y="1198440"/>
+            <a:ext cx="4077360" cy="2333880"/>
           </a:xfrm>
           <a:prstGeom prst="rect">
             <a:avLst/>
@@ -3591,7 +3581,7 @@
             <a:normAutofit/>
           </a:bodyPr>
           <a:p>
-            <a:endParaRPr b="0" lang="de-DE" sz="2000" spc="-1" strike="noStrike">
+            <a:endParaRPr b="0" lang="de-DE" sz="3200" spc="-1" strike="noStrike">
               <a:solidFill>
                 <a:srgbClr val="000000"/>
               </a:solidFill>
@@ -3617,8 +3607,8 @@
         </p:nvSpPr>
         <p:spPr>
           <a:xfrm>
-            <a:off x="392040" y="3754800"/>
-            <a:ext cx="8356320" cy="2334240"/>
+            <a:off x="392040" y="3754440"/>
+            <a:ext cx="8355960" cy="2333880"/>
           </a:xfrm>
           <a:prstGeom prst="rect">
             <a:avLst/>
@@ -3629,7 +3619,7 @@
             <a:normAutofit/>
           </a:bodyPr>
           <a:p>
-            <a:endParaRPr b="0" lang="de-DE" sz="2000" spc="-1" strike="noStrike">
+            <a:endParaRPr b="0" lang="de-DE" sz="3200" spc="-1" strike="noStrike">
               <a:solidFill>
                 <a:srgbClr val="000000"/>
               </a:solidFill>
@@ -3685,7 +3675,7 @@
         <p:spPr>
           <a:xfrm>
             <a:off x="0" y="0"/>
-            <a:ext cx="9143640" cy="6857640"/>
+            <a:ext cx="9143280" cy="6857280"/>
           </a:xfrm>
           <a:prstGeom prst="rect">
             <a:avLst/>
@@ -3704,7 +3694,7 @@
         <p:spPr>
           <a:xfrm>
             <a:off x="6012000" y="6453360"/>
-            <a:ext cx="2736360" cy="360000"/>
+            <a:ext cx="2736000" cy="359640"/>
           </a:xfrm>
           <a:prstGeom prst="rect">
             <a:avLst/>
@@ -3730,7 +3720,7 @@
         <p:spPr>
           <a:xfrm>
             <a:off x="250920" y="6445080"/>
-            <a:ext cx="325080" cy="215640"/>
+            <a:ext cx="324720" cy="215280"/>
           </a:xfrm>
           <a:prstGeom prst="rect">
             <a:avLst/>
@@ -3757,7 +3747,7 @@
                 <a:spcPts val="451"/>
               </a:spcBef>
             </a:pPr>
-            <a:fld id="{74E5FBA0-5BFD-4B3D-A709-493522BA7C12}" type="slidenum">
+            <a:fld id="{FC1BADE1-5C01-4723-8598-64DCEAFEDCB9}" type="slidenum">
               <a:rPr b="1" lang="de-DE" sz="900" spc="-1" strike="noStrike">
                 <a:solidFill>
                   <a:srgbClr val="000000"/>
@@ -3768,8 +3758,9 @@
                   </a:solidFill>
                 </a:uFill>
                 <a:latin typeface="Arial"/>
+                <a:ea typeface="DejaVu Sans"/>
               </a:rPr>
-              <a:t>10</a:t>
+              <a:t>&lt;Foliennummer&gt;</a:t>
             </a:fld>
             <a:endParaRPr b="0" lang="de-DE" sz="900" spc="-1" strike="noStrike">
               <a:solidFill>
@@ -3798,7 +3789,7 @@
         <p:spPr>
           <a:xfrm>
             <a:off x="7667640" y="333360"/>
-            <a:ext cx="1076040" cy="496440"/>
+            <a:ext cx="1075680" cy="496080"/>
           </a:xfrm>
           <a:prstGeom prst="rect">
             <a:avLst/>
@@ -3817,7 +3808,7 @@
         <p:spPr>
           <a:xfrm>
             <a:off x="612720" y="6445080"/>
-            <a:ext cx="863280" cy="360000"/>
+            <a:ext cx="862920" cy="359640"/>
           </a:xfrm>
           <a:prstGeom prst="rect">
             <a:avLst/>
@@ -3833,41 +3824,6 @@
           <a:effectRef idx="0"/>
           <a:fontRef idx="minor"/>
         </p:style>
-        <p:txBody>
-          <a:bodyPr lIns="0" rIns="0" tIns="0" bIns="0"/>
-          <a:p>
-            <a:pPr>
-              <a:lnSpc>
-                <a:spcPct val="100000"/>
-              </a:lnSpc>
-            </a:pPr>
-            <a:fld id="{2FF9D43E-3DB4-4FF0-B9C0-7D849E5E86EA}" type="datetime1">
-              <a:rPr b="0" lang="de-DE" sz="900" spc="-1" strike="noStrike">
-                <a:solidFill>
-                  <a:srgbClr val="000000"/>
-                </a:solidFill>
-                <a:uFill>
-                  <a:solidFill>
-                    <a:srgbClr val="ffffff"/>
-                  </a:solidFill>
-                </a:uFill>
-                <a:latin typeface="Arial"/>
-              </a:rPr>
-              <a:t>10.12.2017</a:t>
-            </a:fld>
-            <a:endParaRPr b="0" lang="de-DE" sz="900" spc="-1" strike="noStrike">
-              <a:solidFill>
-                <a:srgbClr val="000000"/>
-              </a:solidFill>
-              <a:uFill>
-                <a:solidFill>
-                  <a:srgbClr val="ffffff"/>
-                </a:solidFill>
-              </a:uFill>
-              <a:latin typeface="Arial"/>
-            </a:endParaRPr>
-          </a:p>
-        </p:txBody>
       </p:sp>
       <p:pic>
         <p:nvPicPr>
@@ -3883,7 +3839,7 @@
         <p:spPr>
           <a:xfrm>
             <a:off x="75240" y="3645000"/>
-            <a:ext cx="9033120" cy="3099240"/>
+            <a:ext cx="9032760" cy="3098880"/>
           </a:xfrm>
           <a:prstGeom prst="rect">
             <a:avLst/>
@@ -3906,7 +3862,7 @@
         <p:spPr>
           <a:xfrm>
             <a:off x="0" y="-3240"/>
-            <a:ext cx="9143640" cy="6870240"/>
+            <a:ext cx="9143280" cy="6869880"/>
           </a:xfrm>
           <a:prstGeom prst="rect">
             <a:avLst/>
@@ -3925,7 +3881,7 @@
         <p:spPr>
           <a:xfrm>
             <a:off x="385920" y="3367080"/>
-            <a:ext cx="4536720" cy="151920"/>
+            <a:ext cx="4536360" cy="151560"/>
           </a:xfrm>
           <a:prstGeom prst="rect">
             <a:avLst/>
@@ -3960,6 +3916,7 @@
                   </a:solidFill>
                 </a:uFill>
                 <a:latin typeface="Arial"/>
+                <a:ea typeface="DejaVu Sans"/>
               </a:rPr>
               <a:t>IPD Tichy, Fakultät für Informatik</a:t>
             </a:r>
@@ -3986,7 +3943,7 @@
         <p:spPr>
           <a:xfrm>
             <a:off x="7318440" y="6497640"/>
-            <a:ext cx="1726920" cy="243720"/>
+            <a:ext cx="1726560" cy="243360"/>
           </a:xfrm>
           <a:prstGeom prst="rect">
             <a:avLst/>
@@ -4021,6 +3978,7 @@
                   </a:solidFill>
                 </a:uFill>
                 <a:latin typeface="Arial"/>
+                <a:ea typeface="DejaVu Sans"/>
               </a:rPr>
               <a:t>www.kit.edu</a:t>
             </a:r>
@@ -4051,7 +4009,7 @@
         <p:spPr>
           <a:xfrm>
             <a:off x="395280" y="333360"/>
-            <a:ext cx="1618920" cy="747360"/>
+            <a:ext cx="1618560" cy="747000"/>
           </a:xfrm>
           <a:prstGeom prst="rect">
             <a:avLst/>
@@ -4070,7 +4028,7 @@
         <p:spPr>
           <a:xfrm>
             <a:off x="396720" y="6597720"/>
-            <a:ext cx="3669840" cy="122040"/>
+            <a:ext cx="3669480" cy="121680"/>
           </a:xfrm>
           <a:prstGeom prst="rect">
             <a:avLst/>
@@ -4105,6 +4063,7 @@
                   </a:solidFill>
                 </a:uFill>
                 <a:latin typeface="Arial"/>
+                <a:ea typeface="DejaVu Sans"/>
               </a:rPr>
               <a:t>KIT – Die Forschungsuniversität in der Helmholtz-Gemeinschaft</a:t>
             </a:r>
@@ -4134,8 +4093,8 @@
         </p:nvSpPr>
         <p:spPr>
           <a:xfrm>
-            <a:off x="457200" y="273600"/>
-            <a:ext cx="8229240" cy="1144800"/>
+            <a:off x="390600" y="333360"/>
+            <a:ext cx="6911280" cy="561240"/>
           </a:xfrm>
           <a:prstGeom prst="rect">
             <a:avLst/>
@@ -4208,7 +4167,7 @@
               <a:buChar char=""/>
             </a:pPr>
             <a:r>
-              <a:rPr b="0" lang="de-DE" sz="2000" spc="-1" strike="noStrike">
+              <a:rPr b="0" lang="de-DE" sz="3200" spc="-1" strike="noStrike">
                 <a:solidFill>
                   <a:srgbClr val="000000"/>
                 </a:solidFill>
@@ -4221,7 +4180,7 @@
               </a:rPr>
               <a:t>Format des Gliederungstextes durch Klicken bearbeiten</a:t>
             </a:r>
-            <a:endParaRPr b="0" lang="de-DE" sz="2000" spc="-1" strike="noStrike">
+            <a:endParaRPr b="0" lang="de-DE" sz="3200" spc="-1" strike="noStrike">
               <a:solidFill>
                 <a:srgbClr val="000000"/>
               </a:solidFill>
@@ -4246,7 +4205,7 @@
               <a:buChar char=""/>
             </a:pPr>
             <a:r>
-              <a:rPr b="0" lang="de-DE" sz="1600" spc="-1" strike="noStrike">
+              <a:rPr b="0" lang="de-DE" sz="2800" spc="-1" strike="noStrike">
                 <a:solidFill>
                   <a:srgbClr val="000000"/>
                 </a:solidFill>
@@ -4259,7 +4218,7 @@
               </a:rPr>
               <a:t>Zweite Gliederungsebene</a:t>
             </a:r>
-            <a:endParaRPr b="0" lang="de-DE" sz="1600" spc="-1" strike="noStrike">
+            <a:endParaRPr b="0" lang="de-DE" sz="2800" spc="-1" strike="noStrike">
               <a:solidFill>
                 <a:srgbClr val="000000"/>
               </a:solidFill>
@@ -4284,7 +4243,7 @@
               <a:buChar char=""/>
             </a:pPr>
             <a:r>
-              <a:rPr b="0" lang="de-DE" sz="1600" spc="-1" strike="noStrike">
+              <a:rPr b="0" lang="de-DE" sz="2400" spc="-1" strike="noStrike">
                 <a:solidFill>
                   <a:srgbClr val="000000"/>
                 </a:solidFill>
@@ -4297,7 +4256,7 @@
               </a:rPr>
               <a:t>Dritte Gliederungsebene</a:t>
             </a:r>
-            <a:endParaRPr b="0" lang="de-DE" sz="1600" spc="-1" strike="noStrike">
+            <a:endParaRPr b="0" lang="de-DE" sz="2400" spc="-1" strike="noStrike">
               <a:solidFill>
                 <a:srgbClr val="000000"/>
               </a:solidFill>
@@ -4322,7 +4281,7 @@
               <a:buChar char=""/>
             </a:pPr>
             <a:r>
-              <a:rPr b="0" lang="de-DE" sz="1600" spc="-1" strike="noStrike">
+              <a:rPr b="0" lang="de-DE" sz="2000" spc="-1" strike="noStrike">
                 <a:solidFill>
                   <a:srgbClr val="000000"/>
                 </a:solidFill>
@@ -4335,7 +4294,7 @@
               </a:rPr>
               <a:t>Vierte Gliederungsebene</a:t>
             </a:r>
-            <a:endParaRPr b="0" lang="de-DE" sz="1600" spc="-1" strike="noStrike">
+            <a:endParaRPr b="0" lang="de-DE" sz="2000" spc="-1" strike="noStrike">
               <a:solidFill>
                 <a:srgbClr val="000000"/>
               </a:solidFill>
@@ -4520,7 +4479,7 @@
         <p:spPr>
           <a:xfrm>
             <a:off x="0" y="0"/>
-            <a:ext cx="9143640" cy="6857640"/>
+            <a:ext cx="9143280" cy="6857280"/>
           </a:xfrm>
           <a:prstGeom prst="rect">
             <a:avLst/>
@@ -4539,7 +4498,7 @@
         <p:spPr>
           <a:xfrm>
             <a:off x="6012000" y="6453360"/>
-            <a:ext cx="2736360" cy="360000"/>
+            <a:ext cx="2736000" cy="359640"/>
           </a:xfrm>
           <a:prstGeom prst="rect">
             <a:avLst/>
@@ -4565,7 +4524,7 @@
         <p:spPr>
           <a:xfrm>
             <a:off x="250920" y="6445080"/>
-            <a:ext cx="325080" cy="215640"/>
+            <a:ext cx="324720" cy="215280"/>
           </a:xfrm>
           <a:prstGeom prst="rect">
             <a:avLst/>
@@ -4581,44 +4540,6 @@
           <a:effectRef idx="0"/>
           <a:fontRef idx="minor"/>
         </p:style>
-        <p:txBody>
-          <a:bodyPr lIns="0" rIns="0" tIns="0" bIns="0"/>
-          <a:p>
-            <a:pPr>
-              <a:lnSpc>
-                <a:spcPct val="100000"/>
-              </a:lnSpc>
-              <a:spcBef>
-                <a:spcPts val="451"/>
-              </a:spcBef>
-            </a:pPr>
-            <a:fld id="{9BBD35DE-D5DF-44D3-A44E-1086572CB304}" type="slidenum">
-              <a:rPr b="1" lang="de-DE" sz="900" spc="-1" strike="noStrike">
-                <a:solidFill>
-                  <a:srgbClr val="000000"/>
-                </a:solidFill>
-                <a:uFill>
-                  <a:solidFill>
-                    <a:srgbClr val="ffffff"/>
-                  </a:solidFill>
-                </a:uFill>
-                <a:latin typeface="Arial"/>
-              </a:rPr>
-              <a:t>1</a:t>
-            </a:fld>
-            <a:endParaRPr b="0" lang="de-DE" sz="900" spc="-1" strike="noStrike">
-              <a:solidFill>
-                <a:srgbClr val="000000"/>
-              </a:solidFill>
-              <a:uFill>
-                <a:solidFill>
-                  <a:srgbClr val="ffffff"/>
-                </a:solidFill>
-              </a:uFill>
-              <a:latin typeface="Arial"/>
-            </a:endParaRPr>
-          </a:p>
-        </p:txBody>
       </p:sp>
       <p:pic>
         <p:nvPicPr>
@@ -4633,7 +4554,7 @@
         <p:spPr>
           <a:xfrm>
             <a:off x="7667640" y="333360"/>
-            <a:ext cx="1076040" cy="496440"/>
+            <a:ext cx="1075680" cy="496080"/>
           </a:xfrm>
           <a:prstGeom prst="rect">
             <a:avLst/>
@@ -4652,7 +4573,7 @@
         <p:spPr>
           <a:xfrm>
             <a:off x="612720" y="6445080"/>
-            <a:ext cx="863280" cy="360000"/>
+            <a:ext cx="862920" cy="359640"/>
           </a:xfrm>
           <a:prstGeom prst="rect">
             <a:avLst/>
@@ -4668,16 +4589,31 @@
           <a:effectRef idx="0"/>
           <a:fontRef idx="minor"/>
         </p:style>
-        <p:txBody>
-          <a:bodyPr lIns="0" rIns="0" tIns="0" bIns="0"/>
-          <a:p>
-            <a:pPr>
-              <a:lnSpc>
-                <a:spcPct val="100000"/>
-              </a:lnSpc>
-            </a:pPr>
-            <a:fld id="{1ABE15DE-9D49-404D-A7F6-1B8E5030D145}" type="datetime1">
-              <a:rPr b="0" lang="de-DE" sz="900" spc="-1" strike="noStrike">
+      </p:sp>
+      <p:sp>
+        <p:nvSpPr>
+          <p:cNvPr id="54" name="PlaceHolder 4"/>
+          <p:cNvSpPr>
+            <a:spLocks noGrp="1"/>
+          </p:cNvSpPr>
+          <p:nvPr>
+            <p:ph type="title"/>
+          </p:nvPr>
+        </p:nvSpPr>
+        <p:spPr>
+          <a:xfrm>
+            <a:off x="390600" y="333360"/>
+            <a:ext cx="6911280" cy="561240"/>
+          </a:xfrm>
+          <a:prstGeom prst="rect">
+            <a:avLst/>
+          </a:prstGeom>
+        </p:spPr>
+        <p:txBody>
+          <a:bodyPr lIns="0" rIns="0" tIns="0" bIns="0" anchor="ctr"/>
+          <a:p>
+            <a:r>
+              <a:rPr b="0" lang="de-DE" sz="1800" spc="-1" strike="noStrike">
                 <a:solidFill>
                   <a:srgbClr val="000000"/>
                 </a:solidFill>
@@ -4688,51 +4624,59 @@
                 </a:uFill>
                 <a:latin typeface="Arial"/>
               </a:rPr>
-              <a:t>10.12.2017</a:t>
-            </a:fld>
-            <a:endParaRPr b="0" lang="de-DE" sz="900" spc="-1" strike="noStrike">
-              <a:solidFill>
-                <a:srgbClr val="000000"/>
-              </a:solidFill>
-              <a:uFill>
-                <a:solidFill>
-                  <a:srgbClr val="ffffff"/>
-                </a:solidFill>
-              </a:uFill>
-              <a:latin typeface="Arial"/>
-            </a:endParaRPr>
-          </a:p>
-        </p:txBody>
-      </p:sp>
-      <p:sp>
-        <p:nvSpPr>
-          <p:cNvPr id="54" name="PlaceHolder 4"/>
+              <a:t>Format des Titeltextes durch Klicken bearbeiten</a:t>
+            </a:r>
+            <a:endParaRPr b="0" lang="de-DE" sz="1800" spc="-1" strike="noStrike">
+              <a:solidFill>
+                <a:srgbClr val="000000"/>
+              </a:solidFill>
+              <a:uFill>
+                <a:solidFill>
+                  <a:srgbClr val="ffffff"/>
+                </a:solidFill>
+              </a:uFill>
+              <a:latin typeface="Arial"/>
+            </a:endParaRPr>
+          </a:p>
+        </p:txBody>
+      </p:sp>
+      <p:sp>
+        <p:nvSpPr>
+          <p:cNvPr id="55" name="PlaceHolder 5"/>
           <p:cNvSpPr>
             <a:spLocks noGrp="1"/>
           </p:cNvSpPr>
           <p:nvPr>
-            <p:ph type="title"/>
+            <p:ph type="body"/>
           </p:nvPr>
         </p:nvSpPr>
         <p:spPr>
           <a:xfrm>
-            <a:off x="390600" y="333360"/>
-            <a:ext cx="6911640" cy="561600"/>
-          </a:xfrm>
-          <a:prstGeom prst="rect">
-            <a:avLst/>
-          </a:prstGeom>
-        </p:spPr>
-        <p:txBody>
-          <a:bodyPr lIns="0" rIns="0" tIns="0" bIns="0" anchor="b"/>
-          <a:p>
-            <a:pPr>
-              <a:lnSpc>
-                <a:spcPct val="100000"/>
-              </a:lnSpc>
+            <a:off x="392040" y="1198440"/>
+            <a:ext cx="8355960" cy="4893480"/>
+          </a:xfrm>
+          <a:prstGeom prst="rect">
+            <a:avLst/>
+          </a:prstGeom>
+        </p:spPr>
+        <p:txBody>
+          <a:bodyPr lIns="0" rIns="0" tIns="0" bIns="0">
+            <a:normAutofit/>
+          </a:bodyPr>
+          <a:p>
+            <a:pPr marL="432000" indent="-324000">
+              <a:spcBef>
+                <a:spcPts val="1417"/>
+              </a:spcBef>
+              <a:buClr>
+                <a:srgbClr val="000000"/>
+              </a:buClr>
+              <a:buSzPct val="45000"/>
+              <a:buFont typeface="Wingdings" charset="2"/>
+              <a:buChar char=""/>
             </a:pPr>
             <a:r>
-              <a:rPr b="1" lang="de-DE" sz="2400" spc="-1" strike="noStrike">
+              <a:rPr b="0" lang="de-DE" sz="1800" spc="-1" strike="noStrike">
                 <a:solidFill>
                   <a:srgbClr val="000000"/>
                 </a:solidFill>
@@ -4743,57 +4687,34 @@
                 </a:uFill>
                 <a:latin typeface="Arial"/>
               </a:rPr>
-              <a:t>Click to edit Master title style</a:t>
+              <a:t>Format des Gliederungstextes durch Klicken bearbeiten</a:t>
             </a:r>
-            <a:endParaRPr b="0" lang="de-DE" sz="2400" spc="-1" strike="noStrike">
-              <a:solidFill>
-                <a:srgbClr val="000000"/>
-              </a:solidFill>
-              <a:uFill>
-                <a:solidFill>
-                  <a:srgbClr val="ffffff"/>
-                </a:solidFill>
-              </a:uFill>
-              <a:latin typeface="Arial"/>
-            </a:endParaRPr>
-          </a:p>
-        </p:txBody>
-      </p:sp>
-      <p:sp>
-        <p:nvSpPr>
-          <p:cNvPr id="55" name="PlaceHolder 5"/>
-          <p:cNvSpPr>
-            <a:spLocks noGrp="1"/>
-          </p:cNvSpPr>
-          <p:nvPr>
-            <p:ph type="body"/>
-          </p:nvPr>
-        </p:nvSpPr>
-        <p:spPr>
-          <a:xfrm>
-            <a:off x="392040" y="1198440"/>
-            <a:ext cx="8356320" cy="4893840"/>
-          </a:xfrm>
-          <a:prstGeom prst="rect">
-            <a:avLst/>
-          </a:prstGeom>
-        </p:spPr>
-        <p:txBody>
-          <a:bodyPr lIns="0" rIns="0" tIns="0" bIns="0"/>
-          <a:p>
-            <a:pPr marL="314280" indent="-313920">
-              <a:lnSpc>
-                <a:spcPct val="100000"/>
-              </a:lnSpc>
+            <a:endParaRPr b="0" lang="de-DE" sz="1800" spc="-1" strike="noStrike">
+              <a:solidFill>
+                <a:srgbClr val="000000"/>
+              </a:solidFill>
+              <a:uFill>
+                <a:solidFill>
+                  <a:srgbClr val="ffffff"/>
+                </a:solidFill>
+              </a:uFill>
+              <a:latin typeface="Arial"/>
+            </a:endParaRPr>
+          </a:p>
+          <a:p>
+            <a:pPr lvl="1" marL="864000" indent="-324000">
               <a:spcBef>
-                <a:spcPts val="400"/>
+                <a:spcPts val="1134"/>
               </a:spcBef>
-              <a:buBlip>
-                <a:blip r:embed="rId4"/>
-              </a:buBlip>
+              <a:buClr>
+                <a:srgbClr val="000000"/>
+              </a:buClr>
+              <a:buSzPct val="75000"/>
+              <a:buFont typeface="Symbol" charset="2"/>
+              <a:buChar char=""/>
             </a:pPr>
             <a:r>
-              <a:rPr b="0" lang="de-DE" sz="2000" spc="-1" strike="noStrike">
+              <a:rPr b="0" lang="de-DE" sz="1800" spc="-1" strike="noStrike">
                 <a:solidFill>
                   <a:srgbClr val="000000"/>
                 </a:solidFill>
@@ -4804,31 +4725,31 @@
                 </a:uFill>
                 <a:latin typeface="Arial"/>
               </a:rPr>
-              <a:t>Click to edit Master text styles</a:t>
+              <a:t>Zweite Gliederungsebene</a:t>
             </a:r>
-            <a:endParaRPr b="0" lang="de-DE" sz="2000" spc="-1" strike="noStrike">
-              <a:solidFill>
-                <a:srgbClr val="000000"/>
-              </a:solidFill>
-              <a:uFill>
-                <a:solidFill>
-                  <a:srgbClr val="ffffff"/>
-                </a:solidFill>
-              </a:uFill>
-              <a:latin typeface="Arial"/>
-            </a:endParaRPr>
-          </a:p>
-          <a:p>
-            <a:pPr lvl="1" marL="790560" indent="-313920">
-              <a:lnSpc>
-                <a:spcPct val="100000"/>
-              </a:lnSpc>
+            <a:endParaRPr b="0" lang="de-DE" sz="1800" spc="-1" strike="noStrike">
+              <a:solidFill>
+                <a:srgbClr val="000000"/>
+              </a:solidFill>
+              <a:uFill>
+                <a:solidFill>
+                  <a:srgbClr val="ffffff"/>
+                </a:solidFill>
+              </a:uFill>
+              <a:latin typeface="Arial"/>
+            </a:endParaRPr>
+          </a:p>
+          <a:p>
+            <a:pPr lvl="2" marL="1296000" indent="-288000">
               <a:spcBef>
-                <a:spcPts val="360"/>
+                <a:spcPts val="850"/>
               </a:spcBef>
-              <a:buBlip>
-                <a:blip r:embed="rId5"/>
-              </a:buBlip>
+              <a:buClr>
+                <a:srgbClr val="000000"/>
+              </a:buClr>
+              <a:buSzPct val="45000"/>
+              <a:buFont typeface="Wingdings" charset="2"/>
+              <a:buChar char=""/>
             </a:pPr>
             <a:r>
               <a:rPr b="0" lang="de-DE" sz="1800" spc="-1" strike="noStrike">
@@ -4842,7 +4763,7 @@
                 </a:uFill>
                 <a:latin typeface="Arial"/>
               </a:rPr>
-              <a:t>Second level</a:t>
+              <a:t>Dritte Gliederungsebene</a:t>
             </a:r>
             <a:endParaRPr b="0" lang="de-DE" sz="1800" spc="-1" strike="noStrike">
               <a:solidFill>
@@ -4857,19 +4778,19 @@
             </a:endParaRPr>
           </a:p>
           <a:p>
-            <a:pPr lvl="2" marL="1209600" indent="-275760">
-              <a:lnSpc>
-                <a:spcPct val="100000"/>
-              </a:lnSpc>
+            <a:pPr lvl="3" marL="1728000" indent="-216000">
               <a:spcBef>
-                <a:spcPts val="320"/>
+                <a:spcPts val="567"/>
               </a:spcBef>
-              <a:buBlip>
-                <a:blip r:embed="rId6"/>
-              </a:buBlip>
+              <a:buClr>
+                <a:srgbClr val="000000"/>
+              </a:buClr>
+              <a:buSzPct val="75000"/>
+              <a:buFont typeface="Symbol" charset="2"/>
+              <a:buChar char=""/>
             </a:pPr>
             <a:r>
-              <a:rPr b="0" lang="de-DE" sz="1600" spc="-1" strike="noStrike">
+              <a:rPr b="0" lang="de-DE" sz="1800" spc="-1" strike="noStrike">
                 <a:solidFill>
                   <a:srgbClr val="000000"/>
                 </a:solidFill>
@@ -4880,34 +4801,34 @@
                 </a:uFill>
                 <a:latin typeface="Arial"/>
               </a:rPr>
-              <a:t>Third level</a:t>
+              <a:t>Vierte Gliederungsebene</a:t>
             </a:r>
-            <a:endParaRPr b="0" lang="de-DE" sz="1600" spc="-1" strike="noStrike">
-              <a:solidFill>
-                <a:srgbClr val="000000"/>
-              </a:solidFill>
-              <a:uFill>
-                <a:solidFill>
-                  <a:srgbClr val="ffffff"/>
-                </a:solidFill>
-              </a:uFill>
-              <a:latin typeface="Arial"/>
-            </a:endParaRPr>
-          </a:p>
-          <a:p>
-            <a:pPr lvl="3" marL="1657440" indent="-275760">
-              <a:lnSpc>
-                <a:spcPct val="100000"/>
-              </a:lnSpc>
+            <a:endParaRPr b="0" lang="de-DE" sz="1800" spc="-1" strike="noStrike">
+              <a:solidFill>
+                <a:srgbClr val="000000"/>
+              </a:solidFill>
+              <a:uFill>
+                <a:solidFill>
+                  <a:srgbClr val="ffffff"/>
+                </a:solidFill>
+              </a:uFill>
+              <a:latin typeface="Arial"/>
+            </a:endParaRPr>
+          </a:p>
+          <a:p>
+            <a:pPr lvl="4" marL="2160000" indent="-216000">
               <a:spcBef>
-                <a:spcPts val="320"/>
+                <a:spcPts val="283"/>
               </a:spcBef>
-              <a:buBlip>
-                <a:blip r:embed="rId7"/>
-              </a:buBlip>
+              <a:buClr>
+                <a:srgbClr val="000000"/>
+              </a:buClr>
+              <a:buSzPct val="45000"/>
+              <a:buFont typeface="Wingdings" charset="2"/>
+              <a:buChar char=""/>
             </a:pPr>
             <a:r>
-              <a:rPr b="0" lang="de-DE" sz="1600" spc="-1" strike="noStrike">
+              <a:rPr b="0" lang="de-DE" sz="1800" spc="-1" strike="noStrike">
                 <a:solidFill>
                   <a:srgbClr val="000000"/>
                 </a:solidFill>
@@ -4918,34 +4839,34 @@
                 </a:uFill>
                 <a:latin typeface="Arial"/>
               </a:rPr>
-              <a:t>Fourth level</a:t>
+              <a:t>Fünfte Gliederungsebene</a:t>
             </a:r>
-            <a:endParaRPr b="0" lang="de-DE" sz="1600" spc="-1" strike="noStrike">
-              <a:solidFill>
-                <a:srgbClr val="000000"/>
-              </a:solidFill>
-              <a:uFill>
-                <a:solidFill>
-                  <a:srgbClr val="ffffff"/>
-                </a:solidFill>
-              </a:uFill>
-              <a:latin typeface="Arial"/>
-            </a:endParaRPr>
-          </a:p>
-          <a:p>
-            <a:pPr lvl="4" marL="2095560" indent="-275760">
-              <a:lnSpc>
-                <a:spcPct val="100000"/>
-              </a:lnSpc>
+            <a:endParaRPr b="0" lang="de-DE" sz="1800" spc="-1" strike="noStrike">
+              <a:solidFill>
+                <a:srgbClr val="000000"/>
+              </a:solidFill>
+              <a:uFill>
+                <a:solidFill>
+                  <a:srgbClr val="ffffff"/>
+                </a:solidFill>
+              </a:uFill>
+              <a:latin typeface="Arial"/>
+            </a:endParaRPr>
+          </a:p>
+          <a:p>
+            <a:pPr lvl="5" marL="2592000" indent="-216000">
               <a:spcBef>
-                <a:spcPts val="320"/>
+                <a:spcPts val="283"/>
               </a:spcBef>
-              <a:buBlip>
-                <a:blip r:embed="rId8"/>
-              </a:buBlip>
+              <a:buClr>
+                <a:srgbClr val="000000"/>
+              </a:buClr>
+              <a:buSzPct val="45000"/>
+              <a:buFont typeface="Wingdings" charset="2"/>
+              <a:buChar char=""/>
             </a:pPr>
             <a:r>
-              <a:rPr b="0" lang="de-DE" sz="1600" spc="-1" strike="noStrike">
+              <a:rPr b="0" lang="de-DE" sz="1800" spc="-1" strike="noStrike">
                 <a:solidFill>
                   <a:srgbClr val="000000"/>
                 </a:solidFill>
@@ -4956,51 +4877,34 @@
                 </a:uFill>
                 <a:latin typeface="Arial"/>
               </a:rPr>
-              <a:t>Fifth level</a:t>
+              <a:t>Sechste Gliederungsebene</a:t>
             </a:r>
-            <a:endParaRPr b="0" lang="de-DE" sz="1600" spc="-1" strike="noStrike">
-              <a:solidFill>
-                <a:srgbClr val="000000"/>
-              </a:solidFill>
-              <a:uFill>
-                <a:solidFill>
-                  <a:srgbClr val="ffffff"/>
-                </a:solidFill>
-              </a:uFill>
-              <a:latin typeface="Arial"/>
-            </a:endParaRPr>
-          </a:p>
-        </p:txBody>
-      </p:sp>
-      <p:sp>
-        <p:nvSpPr>
-          <p:cNvPr id="56" name="PlaceHolder 6"/>
-          <p:cNvSpPr>
-            <a:spLocks noGrp="1"/>
-          </p:cNvSpPr>
-          <p:nvPr>
-            <p:ph type="ftr"/>
-          </p:nvPr>
-        </p:nvSpPr>
-        <p:spPr>
-          <a:xfrm>
-            <a:off x="1701720" y="6445080"/>
-            <a:ext cx="4247640" cy="360000"/>
-          </a:xfrm>
-          <a:prstGeom prst="rect">
-            <a:avLst/>
-          </a:prstGeom>
-        </p:spPr>
-        <p:txBody>
-          <a:bodyPr lIns="0" rIns="0" tIns="0" bIns="0"/>
-          <a:p>
-            <a:pPr>
-              <a:lnSpc>
-                <a:spcPct val="100000"/>
-              </a:lnSpc>
+            <a:endParaRPr b="0" lang="de-DE" sz="1800" spc="-1" strike="noStrike">
+              <a:solidFill>
+                <a:srgbClr val="000000"/>
+              </a:solidFill>
+              <a:uFill>
+                <a:solidFill>
+                  <a:srgbClr val="ffffff"/>
+                </a:solidFill>
+              </a:uFill>
+              <a:latin typeface="Arial"/>
+            </a:endParaRPr>
+          </a:p>
+          <a:p>
+            <a:pPr lvl="6" marL="3024000" indent="-216000">
+              <a:spcBef>
+                <a:spcPts val="283"/>
+              </a:spcBef>
+              <a:buClr>
+                <a:srgbClr val="000000"/>
+              </a:buClr>
+              <a:buSzPct val="45000"/>
+              <a:buFont typeface="Wingdings" charset="2"/>
+              <a:buChar char=""/>
             </a:pPr>
             <a:r>
-              <a:rPr b="0" lang="de-DE" sz="900" spc="-1" strike="noStrike">
+              <a:rPr b="0" lang="de-DE" sz="1800" spc="-1" strike="noStrike">
                 <a:solidFill>
                   <a:srgbClr val="000000"/>
                 </a:solidFill>
@@ -5011,18 +4915,18 @@
                 </a:uFill>
                 <a:latin typeface="Arial"/>
               </a:rPr>
-              <a:t>myMD | Philipp Karcher, Philipp Pelcz, Jan-Luca Vettel</a:t>
+              <a:t>Siebte Gliederungsebene</a:t>
             </a:r>
-            <a:endParaRPr b="0" lang="de-DE" sz="900" spc="-1" strike="noStrike">
-              <a:solidFill>
-                <a:srgbClr val="000000"/>
-              </a:solidFill>
-              <a:uFill>
-                <a:solidFill>
-                  <a:srgbClr val="ffffff"/>
-                </a:solidFill>
-              </a:uFill>
-              <a:latin typeface="Times New Roman"/>
+            <a:endParaRPr b="0" lang="de-DE" sz="1800" spc="-1" strike="noStrike">
+              <a:solidFill>
+                <a:srgbClr val="000000"/>
+              </a:solidFill>
+              <a:uFill>
+                <a:solidFill>
+                  <a:srgbClr val="ffffff"/>
+                </a:solidFill>
+              </a:uFill>
+              <a:latin typeface="Arial"/>
             </a:endParaRPr>
           </a:p>
         </p:txBody>
@@ -5031,18 +4935,18 @@
   </p:cSld>
   <p:clrMap bg1="lt1" bg2="lt2" tx1="dk1" tx2="dk2" accent1="accent1" accent2="accent2" accent3="accent3" accent4="accent4" accent5="accent5" accent6="accent6" hlink="hlink" folHlink="folHlink"/>
   <p:sldLayoutIdLst>
-    <p:sldLayoutId id="2147483662" r:id="rId9"/>
-    <p:sldLayoutId id="2147483663" r:id="rId10"/>
-    <p:sldLayoutId id="2147483664" r:id="rId11"/>
-    <p:sldLayoutId id="2147483665" r:id="rId12"/>
-    <p:sldLayoutId id="2147483666" r:id="rId13"/>
-    <p:sldLayoutId id="2147483667" r:id="rId14"/>
-    <p:sldLayoutId id="2147483668" r:id="rId15"/>
-    <p:sldLayoutId id="2147483669" r:id="rId16"/>
-    <p:sldLayoutId id="2147483670" r:id="rId17"/>
-    <p:sldLayoutId id="2147483671" r:id="rId18"/>
-    <p:sldLayoutId id="2147483672" r:id="rId19"/>
-    <p:sldLayoutId id="2147483673" r:id="rId20"/>
+    <p:sldLayoutId id="2147483662" r:id="rId4"/>
+    <p:sldLayoutId id="2147483663" r:id="rId5"/>
+    <p:sldLayoutId id="2147483664" r:id="rId6"/>
+    <p:sldLayoutId id="2147483665" r:id="rId7"/>
+    <p:sldLayoutId id="2147483666" r:id="rId8"/>
+    <p:sldLayoutId id="2147483667" r:id="rId9"/>
+    <p:sldLayoutId id="2147483668" r:id="rId10"/>
+    <p:sldLayoutId id="2147483669" r:id="rId11"/>
+    <p:sldLayoutId id="2147483670" r:id="rId12"/>
+    <p:sldLayoutId id="2147483671" r:id="rId13"/>
+    <p:sldLayoutId id="2147483672" r:id="rId14"/>
+    <p:sldLayoutId id="2147483673" r:id="rId15"/>
   </p:sldLayoutIdLst>
 </p:sldMaster>
 </file>
@@ -5066,14 +4970,14 @@
       </p:grpSpPr>
       <p:sp>
         <p:nvSpPr>
-          <p:cNvPr id="98" name="TextShape 1"/>
-          <p:cNvSpPr txBox="1"/>
+          <p:cNvPr id="97" name="CustomShape 1"/>
+          <p:cNvSpPr/>
           <p:nvPr/>
         </p:nvSpPr>
         <p:spPr>
           <a:xfrm>
             <a:off x="502200" y="1124640"/>
-            <a:ext cx="8496000" cy="934560"/>
+            <a:ext cx="8495640" cy="934200"/>
           </a:xfrm>
           <a:prstGeom prst="rect">
             <a:avLst/>
@@ -5083,6 +4987,12 @@
             <a:noFill/>
           </a:ln>
         </p:spPr>
+        <p:style>
+          <a:lnRef idx="0"/>
+          <a:fillRef idx="0"/>
+          <a:effectRef idx="0"/>
+          <a:fontRef idx="minor"/>
+        </p:style>
         <p:txBody>
           <a:bodyPr lIns="0" rIns="0" tIns="0" bIns="0" anchor="b">
             <a:normAutofit/>
@@ -5138,14 +5048,14 @@
       </p:sp>
       <p:sp>
         <p:nvSpPr>
-          <p:cNvPr id="99" name="CustomShape 2"/>
+          <p:cNvPr id="98" name="CustomShape 2"/>
           <p:cNvSpPr/>
           <p:nvPr/>
         </p:nvSpPr>
         <p:spPr>
           <a:xfrm>
             <a:off x="467640" y="2349000"/>
-            <a:ext cx="4932360" cy="577800"/>
+            <a:ext cx="4932000" cy="577440"/>
           </a:xfrm>
           <a:prstGeom prst="rect">
             <a:avLst/>
@@ -5180,6 +5090,7 @@
                   </a:solidFill>
                 </a:uFill>
                 <a:latin typeface="Arial"/>
+                <a:ea typeface="DejaVu Sans"/>
               </a:rPr>
               <a:t>Philipp Karcher, Philipp Pelcz, Jan-Luca Vettel</a:t>
             </a:r>
@@ -5212,6 +5123,7 @@
                   </a:solidFill>
                 </a:uFill>
                 <a:latin typeface="Arial"/>
+                <a:ea typeface="DejaVu Sans"/>
               </a:rPr>
               <a:t>Betreut von Marc Aurel Kiefer</a:t>
             </a:r>
@@ -5280,14 +5192,14 @@
       </p:grpSpPr>
       <p:sp>
         <p:nvSpPr>
-          <p:cNvPr id="121" name="TextShape 1"/>
-          <p:cNvSpPr txBox="1"/>
+          <p:cNvPr id="120" name="CustomShape 1"/>
+          <p:cNvSpPr/>
           <p:nvPr/>
         </p:nvSpPr>
         <p:spPr>
           <a:xfrm>
             <a:off x="390600" y="333360"/>
-            <a:ext cx="6911640" cy="561600"/>
+            <a:ext cx="6911280" cy="561240"/>
           </a:xfrm>
           <a:prstGeom prst="rect">
             <a:avLst/>
@@ -5297,6 +5209,12 @@
             <a:noFill/>
           </a:ln>
         </p:spPr>
+        <p:style>
+          <a:lnRef idx="0"/>
+          <a:fillRef idx="0"/>
+          <a:effectRef idx="0"/>
+          <a:fontRef idx="minor"/>
+        </p:style>
         <p:txBody>
           <a:bodyPr lIns="0" rIns="0" tIns="0" bIns="0" anchor="b"/>
           <a:p>
@@ -5335,14 +5253,14 @@
       </p:sp>
       <p:sp>
         <p:nvSpPr>
-          <p:cNvPr id="122" name="TextShape 2"/>
-          <p:cNvSpPr txBox="1"/>
+          <p:cNvPr id="121" name="CustomShape 2"/>
+          <p:cNvSpPr/>
           <p:nvPr/>
         </p:nvSpPr>
         <p:spPr>
           <a:xfrm>
             <a:off x="467640" y="1296000"/>
-            <a:ext cx="8316360" cy="4824000"/>
+            <a:ext cx="8316000" cy="4823640"/>
           </a:xfrm>
           <a:prstGeom prst="rect">
             <a:avLst/>
@@ -5352,12 +5270,21 @@
             <a:noFill/>
           </a:ln>
         </p:spPr>
+        <p:style>
+          <a:lnRef idx="0"/>
+          <a:fillRef idx="0"/>
+          <a:effectRef idx="0"/>
+          <a:fontRef idx="minor"/>
+        </p:style>
         <p:txBody>
           <a:bodyPr lIns="0" rIns="0" tIns="0" bIns="0">
             <a:normAutofit/>
           </a:bodyPr>
           <a:p>
-            <a:pPr marL="432000" indent="-324000">
+            <a:pPr marL="432000" indent="-323640">
+              <a:lnSpc>
+                <a:spcPct val="100000"/>
+              </a:lnSpc>
               <a:spcBef>
                 <a:spcPts val="1417"/>
               </a:spcBef>
@@ -5395,7 +5322,10 @@
             </a:endParaRPr>
           </a:p>
           <a:p>
-            <a:pPr marL="432000" indent="-324000">
+            <a:pPr marL="432000" indent="-323640">
+              <a:lnSpc>
+                <a:spcPct val="100000"/>
+              </a:lnSpc>
               <a:spcBef>
                 <a:spcPts val="1417"/>
               </a:spcBef>
@@ -5433,7 +5363,10 @@
             </a:endParaRPr>
           </a:p>
           <a:p>
-            <a:pPr marL="432000" indent="-324000">
+            <a:pPr marL="432000" indent="-323640">
+              <a:lnSpc>
+                <a:spcPct val="100000"/>
+              </a:lnSpc>
               <a:spcBef>
                 <a:spcPts val="1417"/>
               </a:spcBef>
@@ -5471,7 +5404,10 @@
             </a:endParaRPr>
           </a:p>
           <a:p>
-            <a:pPr marL="432000" indent="-324000">
+            <a:pPr marL="432000" indent="-323640">
+              <a:lnSpc>
+                <a:spcPct val="100000"/>
+              </a:lnSpc>
               <a:spcBef>
                 <a:spcPts val="1417"/>
               </a:spcBef>
@@ -5509,7 +5445,10 @@
             </a:endParaRPr>
           </a:p>
           <a:p>
-            <a:pPr marL="432000" indent="-324000">
+            <a:pPr marL="432000" indent="-323640">
+              <a:lnSpc>
+                <a:spcPct val="100000"/>
+              </a:lnSpc>
               <a:spcBef>
                 <a:spcPts val="1417"/>
               </a:spcBef>
@@ -5613,14 +5552,14 @@
       </p:grpSpPr>
       <p:sp>
         <p:nvSpPr>
-          <p:cNvPr id="100" name="TextShape 1"/>
-          <p:cNvSpPr txBox="1"/>
+          <p:cNvPr id="99" name="CustomShape 1"/>
+          <p:cNvSpPr/>
           <p:nvPr/>
         </p:nvSpPr>
         <p:spPr>
           <a:xfrm>
             <a:off x="390600" y="333360"/>
-            <a:ext cx="6911640" cy="561600"/>
+            <a:ext cx="6911280" cy="561240"/>
           </a:xfrm>
           <a:prstGeom prst="rect">
             <a:avLst/>
@@ -5630,6 +5569,12 @@
             <a:noFill/>
           </a:ln>
         </p:spPr>
+        <p:style>
+          <a:lnRef idx="0"/>
+          <a:fillRef idx="0"/>
+          <a:effectRef idx="0"/>
+          <a:fontRef idx="minor"/>
+        </p:style>
         <p:txBody>
           <a:bodyPr lIns="0" rIns="0" tIns="0" bIns="0" anchor="b"/>
           <a:p>
@@ -5668,7 +5613,7 @@
       </p:sp>
       <p:pic>
         <p:nvPicPr>
-          <p:cNvPr id="101" name="" descr=""/>
+          <p:cNvPr id="100" name="" descr=""/>
           <p:cNvPicPr/>
           <p:nvPr/>
         </p:nvPicPr>
@@ -5679,7 +5624,7 @@
         <p:spPr>
           <a:xfrm>
             <a:off x="2405880" y="1152000"/>
-            <a:ext cx="4002120" cy="5002560"/>
+            <a:ext cx="4001760" cy="5002200"/>
           </a:xfrm>
           <a:prstGeom prst="rect">
             <a:avLst/>
@@ -5740,14 +5685,14 @@
       </p:grpSpPr>
       <p:sp>
         <p:nvSpPr>
-          <p:cNvPr id="102" name="TextShape 1"/>
-          <p:cNvSpPr txBox="1"/>
+          <p:cNvPr id="101" name="CustomShape 1"/>
+          <p:cNvSpPr/>
           <p:nvPr/>
         </p:nvSpPr>
         <p:spPr>
           <a:xfrm>
             <a:off x="390600" y="333360"/>
-            <a:ext cx="6911640" cy="561600"/>
+            <a:ext cx="6911280" cy="561240"/>
           </a:xfrm>
           <a:prstGeom prst="rect">
             <a:avLst/>
@@ -5757,6 +5702,12 @@
             <a:noFill/>
           </a:ln>
         </p:spPr>
+        <p:style>
+          <a:lnRef idx="0"/>
+          <a:fillRef idx="0"/>
+          <a:effectRef idx="0"/>
+          <a:fontRef idx="minor"/>
+        </p:style>
         <p:txBody>
           <a:bodyPr lIns="0" rIns="0" tIns="0" bIns="0" anchor="b"/>
           <a:p>
@@ -5795,14 +5746,14 @@
       </p:sp>
       <p:sp>
         <p:nvSpPr>
-          <p:cNvPr id="103" name="TextShape 2"/>
-          <p:cNvSpPr txBox="1"/>
+          <p:cNvPr id="102" name="CustomShape 2"/>
+          <p:cNvSpPr/>
           <p:nvPr/>
         </p:nvSpPr>
         <p:spPr>
           <a:xfrm>
             <a:off x="4752000" y="1198440"/>
-            <a:ext cx="3996360" cy="4893840"/>
+            <a:ext cx="3996000" cy="4893480"/>
           </a:xfrm>
           <a:prstGeom prst="rect">
             <a:avLst/>
@@ -5812,12 +5763,21 @@
             <a:noFill/>
           </a:ln>
         </p:spPr>
+        <p:style>
+          <a:lnRef idx="0"/>
+          <a:fillRef idx="0"/>
+          <a:effectRef idx="0"/>
+          <a:fontRef idx="minor"/>
+        </p:style>
         <p:txBody>
           <a:bodyPr lIns="0" rIns="0" tIns="0" bIns="0">
             <a:normAutofit/>
           </a:bodyPr>
           <a:p>
-            <a:pPr marL="432000" indent="-324000">
+            <a:pPr marL="432000" indent="-323640">
+              <a:lnSpc>
+                <a:spcPct val="100000"/>
+              </a:lnSpc>
               <a:spcBef>
                 <a:spcPts val="1417"/>
               </a:spcBef>
@@ -5855,7 +5815,10 @@
             </a:endParaRPr>
           </a:p>
           <a:p>
-            <a:pPr marL="432000" indent="-324000">
+            <a:pPr marL="432000" indent="-323640">
+              <a:lnSpc>
+                <a:spcPct val="100000"/>
+              </a:lnSpc>
               <a:spcBef>
                 <a:spcPts val="1417"/>
               </a:spcBef>
@@ -5893,7 +5856,10 @@
             </a:endParaRPr>
           </a:p>
           <a:p>
-            <a:pPr marL="432000" indent="-324000">
+            <a:pPr marL="432000" indent="-323640">
+              <a:lnSpc>
+                <a:spcPct val="100000"/>
+              </a:lnSpc>
               <a:spcBef>
                 <a:spcPts val="1417"/>
               </a:spcBef>
@@ -5931,7 +5897,10 @@
             </a:endParaRPr>
           </a:p>
           <a:p>
-            <a:pPr marL="432000" indent="-324000">
+            <a:pPr marL="432000" indent="-323640">
+              <a:lnSpc>
+                <a:spcPct val="100000"/>
+              </a:lnSpc>
               <a:spcBef>
                 <a:spcPts val="1417"/>
               </a:spcBef>
@@ -5972,7 +5941,7 @@
       </p:sp>
       <p:pic>
         <p:nvPicPr>
-          <p:cNvPr id="104" name="" descr=""/>
+          <p:cNvPr id="103" name="" descr=""/>
           <p:cNvPicPr/>
           <p:nvPr/>
         </p:nvPicPr>
@@ -5983,7 +5952,7 @@
         <p:spPr>
           <a:xfrm>
             <a:off x="360000" y="1152000"/>
-            <a:ext cx="4002120" cy="5002560"/>
+            <a:ext cx="4001760" cy="5002200"/>
           </a:xfrm>
           <a:prstGeom prst="rect">
             <a:avLst/>
@@ -6044,14 +6013,14 @@
       </p:grpSpPr>
       <p:sp>
         <p:nvSpPr>
-          <p:cNvPr id="105" name="TextShape 1"/>
-          <p:cNvSpPr txBox="1"/>
+          <p:cNvPr id="104" name="CustomShape 1"/>
+          <p:cNvSpPr/>
           <p:nvPr/>
         </p:nvSpPr>
         <p:spPr>
           <a:xfrm>
             <a:off x="390600" y="333360"/>
-            <a:ext cx="6911640" cy="561600"/>
+            <a:ext cx="6911280" cy="561240"/>
           </a:xfrm>
           <a:prstGeom prst="rect">
             <a:avLst/>
@@ -6061,6 +6030,12 @@
             <a:noFill/>
           </a:ln>
         </p:spPr>
+        <p:style>
+          <a:lnRef idx="0"/>
+          <a:fillRef idx="0"/>
+          <a:effectRef idx="0"/>
+          <a:fontRef idx="minor"/>
+        </p:style>
         <p:txBody>
           <a:bodyPr lIns="0" rIns="0" tIns="0" bIns="0" anchor="b"/>
           <a:p>
@@ -6099,14 +6074,14 @@
       </p:sp>
       <p:sp>
         <p:nvSpPr>
-          <p:cNvPr id="106" name="TextShape 2"/>
-          <p:cNvSpPr txBox="1"/>
+          <p:cNvPr id="105" name="CustomShape 2"/>
+          <p:cNvSpPr/>
           <p:nvPr/>
         </p:nvSpPr>
         <p:spPr>
           <a:xfrm>
             <a:off x="4752000" y="1198440"/>
-            <a:ext cx="3996360" cy="4893840"/>
+            <a:ext cx="3996000" cy="4893480"/>
           </a:xfrm>
           <a:prstGeom prst="rect">
             <a:avLst/>
@@ -6116,12 +6091,21 @@
             <a:noFill/>
           </a:ln>
         </p:spPr>
+        <p:style>
+          <a:lnRef idx="0"/>
+          <a:fillRef idx="0"/>
+          <a:effectRef idx="0"/>
+          <a:fontRef idx="minor"/>
+        </p:style>
         <p:txBody>
           <a:bodyPr lIns="0" rIns="0" tIns="0" bIns="0">
             <a:normAutofit/>
           </a:bodyPr>
           <a:p>
-            <a:pPr marL="432000" indent="-324000">
+            <a:pPr marL="432000" indent="-323640">
+              <a:lnSpc>
+                <a:spcPct val="100000"/>
+              </a:lnSpc>
               <a:spcBef>
                 <a:spcPts val="1417"/>
               </a:spcBef>
@@ -6159,7 +6143,10 @@
             </a:endParaRPr>
           </a:p>
           <a:p>
-            <a:pPr marL="432000" indent="-324000">
+            <a:pPr marL="432000" indent="-323640">
+              <a:lnSpc>
+                <a:spcPct val="100000"/>
+              </a:lnSpc>
               <a:spcBef>
                 <a:spcPts val="1417"/>
               </a:spcBef>
@@ -6197,7 +6184,10 @@
             </a:endParaRPr>
           </a:p>
           <a:p>
-            <a:pPr marL="432000" indent="-324000">
+            <a:pPr marL="432000" indent="-323640">
+              <a:lnSpc>
+                <a:spcPct val="100000"/>
+              </a:lnSpc>
               <a:spcBef>
                 <a:spcPts val="1417"/>
               </a:spcBef>
@@ -6238,7 +6228,7 @@
       </p:sp>
       <p:pic>
         <p:nvPicPr>
-          <p:cNvPr id="107" name="" descr=""/>
+          <p:cNvPr id="106" name="" descr=""/>
           <p:cNvPicPr/>
           <p:nvPr/>
         </p:nvPicPr>
@@ -6249,7 +6239,7 @@
         <p:spPr>
           <a:xfrm>
             <a:off x="360000" y="1152000"/>
-            <a:ext cx="4002120" cy="5002560"/>
+            <a:ext cx="4001760" cy="5002200"/>
           </a:xfrm>
           <a:prstGeom prst="rect">
             <a:avLst/>
@@ -6310,14 +6300,14 @@
       </p:grpSpPr>
       <p:sp>
         <p:nvSpPr>
-          <p:cNvPr id="108" name="TextShape 1"/>
-          <p:cNvSpPr txBox="1"/>
+          <p:cNvPr id="107" name="CustomShape 1"/>
+          <p:cNvSpPr/>
           <p:nvPr/>
         </p:nvSpPr>
         <p:spPr>
           <a:xfrm>
             <a:off x="390600" y="333360"/>
-            <a:ext cx="6911640" cy="561600"/>
+            <a:ext cx="6911280" cy="561240"/>
           </a:xfrm>
           <a:prstGeom prst="rect">
             <a:avLst/>
@@ -6327,6 +6317,12 @@
             <a:noFill/>
           </a:ln>
         </p:spPr>
+        <p:style>
+          <a:lnRef idx="0"/>
+          <a:fillRef idx="0"/>
+          <a:effectRef idx="0"/>
+          <a:fontRef idx="minor"/>
+        </p:style>
         <p:txBody>
           <a:bodyPr lIns="0" rIns="0" tIns="0" bIns="0" anchor="b"/>
           <a:p>
@@ -6365,14 +6361,14 @@
       </p:sp>
       <p:sp>
         <p:nvSpPr>
-          <p:cNvPr id="109" name="TextShape 2"/>
-          <p:cNvSpPr txBox="1"/>
+          <p:cNvPr id="108" name="CustomShape 2"/>
+          <p:cNvSpPr/>
           <p:nvPr/>
         </p:nvSpPr>
         <p:spPr>
           <a:xfrm>
             <a:off x="467640" y="4419720"/>
-            <a:ext cx="8316360" cy="1700280"/>
+            <a:ext cx="8316000" cy="1699920"/>
           </a:xfrm>
           <a:prstGeom prst="rect">
             <a:avLst/>
@@ -6382,12 +6378,21 @@
             <a:noFill/>
           </a:ln>
         </p:spPr>
+        <p:style>
+          <a:lnRef idx="0"/>
+          <a:fillRef idx="0"/>
+          <a:effectRef idx="0"/>
+          <a:fontRef idx="minor"/>
+        </p:style>
         <p:txBody>
           <a:bodyPr lIns="0" rIns="0" tIns="0" bIns="0">
             <a:normAutofit/>
           </a:bodyPr>
           <a:p>
-            <a:pPr marL="432000" indent="-324000">
+            <a:pPr marL="432000" indent="-323640">
+              <a:lnSpc>
+                <a:spcPct val="100000"/>
+              </a:lnSpc>
               <a:spcBef>
                 <a:spcPts val="1417"/>
               </a:spcBef>
@@ -6425,7 +6430,10 @@
             </a:endParaRPr>
           </a:p>
           <a:p>
-            <a:pPr marL="432000" indent="-324000">
+            <a:pPr marL="432000" indent="-323640">
+              <a:lnSpc>
+                <a:spcPct val="100000"/>
+              </a:lnSpc>
               <a:spcBef>
                 <a:spcPts val="1417"/>
               </a:spcBef>
@@ -6463,7 +6471,10 @@
             </a:endParaRPr>
           </a:p>
           <a:p>
-            <a:pPr marL="432000" indent="-324000">
+            <a:pPr marL="432000" indent="-323640">
+              <a:lnSpc>
+                <a:spcPct val="100000"/>
+              </a:lnSpc>
               <a:spcBef>
                 <a:spcPts val="1417"/>
               </a:spcBef>
@@ -6504,7 +6515,7 @@
       </p:sp>
       <p:pic>
         <p:nvPicPr>
-          <p:cNvPr id="110" name="" descr=""/>
+          <p:cNvPr id="109" name="" descr=""/>
           <p:cNvPicPr/>
           <p:nvPr/>
         </p:nvPicPr>
@@ -6515,7 +6526,7 @@
         <p:spPr>
           <a:xfrm>
             <a:off x="576000" y="1171080"/>
-            <a:ext cx="7939440" cy="3104640"/>
+            <a:ext cx="7939080" cy="3104280"/>
           </a:xfrm>
           <a:prstGeom prst="rect">
             <a:avLst/>
@@ -6576,14 +6587,14 @@
       </p:grpSpPr>
       <p:sp>
         <p:nvSpPr>
-          <p:cNvPr id="111" name="TextShape 1"/>
-          <p:cNvSpPr txBox="1"/>
+          <p:cNvPr id="110" name="CustomShape 1"/>
+          <p:cNvSpPr/>
           <p:nvPr/>
         </p:nvSpPr>
         <p:spPr>
           <a:xfrm>
             <a:off x="390600" y="333360"/>
-            <a:ext cx="6911640" cy="561600"/>
+            <a:ext cx="6911280" cy="561240"/>
           </a:xfrm>
           <a:prstGeom prst="rect">
             <a:avLst/>
@@ -6593,6 +6604,12 @@
             <a:noFill/>
           </a:ln>
         </p:spPr>
+        <p:style>
+          <a:lnRef idx="0"/>
+          <a:fillRef idx="0"/>
+          <a:effectRef idx="0"/>
+          <a:fontRef idx="minor"/>
+        </p:style>
         <p:txBody>
           <a:bodyPr lIns="0" rIns="0" tIns="0" bIns="0" anchor="b"/>
           <a:p>
@@ -6631,14 +6648,14 @@
       </p:sp>
       <p:sp>
         <p:nvSpPr>
-          <p:cNvPr id="112" name="TextShape 2"/>
-          <p:cNvSpPr txBox="1"/>
+          <p:cNvPr id="111" name="CustomShape 2"/>
+          <p:cNvSpPr/>
           <p:nvPr/>
         </p:nvSpPr>
         <p:spPr>
           <a:xfrm>
             <a:off x="504000" y="4779720"/>
-            <a:ext cx="8316360" cy="1412280"/>
+            <a:ext cx="8316000" cy="1411920"/>
           </a:xfrm>
           <a:prstGeom prst="rect">
             <a:avLst/>
@@ -6648,12 +6665,21 @@
             <a:noFill/>
           </a:ln>
         </p:spPr>
+        <p:style>
+          <a:lnRef idx="0"/>
+          <a:fillRef idx="0"/>
+          <a:effectRef idx="0"/>
+          <a:fontRef idx="minor"/>
+        </p:style>
         <p:txBody>
           <a:bodyPr lIns="0" rIns="0" tIns="0" bIns="0">
             <a:normAutofit/>
           </a:bodyPr>
           <a:p>
-            <a:pPr marL="432000" indent="-324000">
+            <a:pPr marL="432000" indent="-323640">
+              <a:lnSpc>
+                <a:spcPct val="100000"/>
+              </a:lnSpc>
               <a:spcBef>
                 <a:spcPts val="1417"/>
               </a:spcBef>
@@ -6691,7 +6717,10 @@
             </a:endParaRPr>
           </a:p>
           <a:p>
-            <a:pPr marL="432000" indent="-324000">
+            <a:pPr marL="432000" indent="-323640">
+              <a:lnSpc>
+                <a:spcPct val="100000"/>
+              </a:lnSpc>
               <a:spcBef>
                 <a:spcPts val="1417"/>
               </a:spcBef>
@@ -6729,7 +6758,10 @@
             </a:endParaRPr>
           </a:p>
           <a:p>
-            <a:pPr marL="432000" indent="-324000">
+            <a:pPr marL="432000" indent="-323640">
+              <a:lnSpc>
+                <a:spcPct val="100000"/>
+              </a:lnSpc>
               <a:spcBef>
                 <a:spcPts val="1417"/>
               </a:spcBef>
@@ -6770,7 +6802,7 @@
       </p:sp>
       <p:pic>
         <p:nvPicPr>
-          <p:cNvPr id="113" name="" descr=""/>
+          <p:cNvPr id="112" name="" descr=""/>
           <p:cNvPicPr/>
           <p:nvPr/>
         </p:nvPicPr>
@@ -6781,7 +6813,7 @@
         <p:spPr>
           <a:xfrm>
             <a:off x="432000" y="1008000"/>
-            <a:ext cx="8036280" cy="3659040"/>
+            <a:ext cx="8035920" cy="3658680"/>
           </a:xfrm>
           <a:prstGeom prst="rect">
             <a:avLst/>
@@ -6842,14 +6874,14 @@
       </p:grpSpPr>
       <p:sp>
         <p:nvSpPr>
-          <p:cNvPr id="114" name="TextShape 1"/>
-          <p:cNvSpPr txBox="1"/>
+          <p:cNvPr id="113" name="CustomShape 1"/>
+          <p:cNvSpPr/>
           <p:nvPr/>
         </p:nvSpPr>
         <p:spPr>
           <a:xfrm>
             <a:off x="390600" y="333360"/>
-            <a:ext cx="6911640" cy="561600"/>
+            <a:ext cx="6911280" cy="561240"/>
           </a:xfrm>
           <a:prstGeom prst="rect">
             <a:avLst/>
@@ -6859,6 +6891,12 @@
             <a:noFill/>
           </a:ln>
         </p:spPr>
+        <p:style>
+          <a:lnRef idx="0"/>
+          <a:fillRef idx="0"/>
+          <a:effectRef idx="0"/>
+          <a:fontRef idx="minor"/>
+        </p:style>
         <p:txBody>
           <a:bodyPr lIns="0" rIns="0" tIns="0" bIns="0" anchor="b"/>
           <a:p>
@@ -6897,14 +6935,14 @@
       </p:sp>
       <p:sp>
         <p:nvSpPr>
-          <p:cNvPr id="115" name="TextShape 2"/>
-          <p:cNvSpPr txBox="1"/>
+          <p:cNvPr id="114" name="CustomShape 2"/>
+          <p:cNvSpPr/>
           <p:nvPr/>
         </p:nvSpPr>
         <p:spPr>
           <a:xfrm>
             <a:off x="5003640" y="1298160"/>
-            <a:ext cx="3996360" cy="4893840"/>
+            <a:ext cx="3996000" cy="4893480"/>
           </a:xfrm>
           <a:prstGeom prst="rect">
             <a:avLst/>
@@ -6914,12 +6952,21 @@
             <a:noFill/>
           </a:ln>
         </p:spPr>
+        <p:style>
+          <a:lnRef idx="0"/>
+          <a:fillRef idx="0"/>
+          <a:effectRef idx="0"/>
+          <a:fontRef idx="minor"/>
+        </p:style>
         <p:txBody>
           <a:bodyPr lIns="0" rIns="0" tIns="0" bIns="0">
             <a:normAutofit/>
           </a:bodyPr>
           <a:p>
-            <a:pPr marL="432000" indent="-324000">
+            <a:pPr marL="432000" indent="-323640">
+              <a:lnSpc>
+                <a:spcPct val="100000"/>
+              </a:lnSpc>
               <a:spcBef>
                 <a:spcPts val="1417"/>
               </a:spcBef>
@@ -6957,7 +7004,10 @@
             </a:endParaRPr>
           </a:p>
           <a:p>
-            <a:pPr marL="432000" indent="-324000">
+            <a:pPr marL="432000" indent="-323640">
+              <a:lnSpc>
+                <a:spcPct val="100000"/>
+              </a:lnSpc>
               <a:spcBef>
                 <a:spcPts val="1417"/>
               </a:spcBef>
@@ -6995,7 +7045,10 @@
             </a:endParaRPr>
           </a:p>
           <a:p>
-            <a:pPr marL="432000" indent="-324000">
+            <a:pPr marL="432000" indent="-323640">
+              <a:lnSpc>
+                <a:spcPct val="100000"/>
+              </a:lnSpc>
               <a:spcBef>
                 <a:spcPts val="1417"/>
               </a:spcBef>
@@ -7033,7 +7086,10 @@
             </a:endParaRPr>
           </a:p>
           <a:p>
-            <a:pPr marL="432000" indent="-324000">
+            <a:pPr marL="432000" indent="-323640">
+              <a:lnSpc>
+                <a:spcPct val="100000"/>
+              </a:lnSpc>
               <a:spcBef>
                 <a:spcPts val="1417"/>
               </a:spcBef>
@@ -7071,7 +7127,10 @@
             </a:endParaRPr>
           </a:p>
           <a:p>
-            <a:pPr marL="432000" indent="-324000">
+            <a:pPr marL="432000" indent="-323640">
+              <a:lnSpc>
+                <a:spcPct val="100000"/>
+              </a:lnSpc>
               <a:spcBef>
                 <a:spcPts val="1417"/>
               </a:spcBef>
@@ -7112,7 +7171,7 @@
       </p:sp>
       <p:pic>
         <p:nvPicPr>
-          <p:cNvPr id="116" name="" descr=""/>
+          <p:cNvPr id="115" name="" descr=""/>
           <p:cNvPicPr/>
           <p:nvPr/>
         </p:nvPicPr>
@@ -7123,7 +7182,7 @@
         <p:spPr>
           <a:xfrm>
             <a:off x="195120" y="1224360"/>
-            <a:ext cx="4773240" cy="4750920"/>
+            <a:ext cx="4772880" cy="4750560"/>
           </a:xfrm>
           <a:prstGeom prst="rect">
             <a:avLst/>
@@ -7184,14 +7243,14 @@
       </p:grpSpPr>
       <p:sp>
         <p:nvSpPr>
-          <p:cNvPr id="117" name="TextShape 1"/>
-          <p:cNvSpPr txBox="1"/>
+          <p:cNvPr id="116" name="CustomShape 1"/>
+          <p:cNvSpPr/>
           <p:nvPr/>
         </p:nvSpPr>
         <p:spPr>
           <a:xfrm>
             <a:off x="390600" y="333360"/>
-            <a:ext cx="6911640" cy="561600"/>
+            <a:ext cx="6911280" cy="561240"/>
           </a:xfrm>
           <a:prstGeom prst="rect">
             <a:avLst/>
@@ -7201,6 +7260,12 @@
             <a:noFill/>
           </a:ln>
         </p:spPr>
+        <p:style>
+          <a:lnRef idx="0"/>
+          <a:fillRef idx="0"/>
+          <a:effectRef idx="0"/>
+          <a:fontRef idx="minor"/>
+        </p:style>
         <p:txBody>
           <a:bodyPr lIns="0" rIns="0" tIns="0" bIns="0" anchor="b"/>
           <a:p>
@@ -7239,14 +7304,14 @@
       </p:sp>
       <p:sp>
         <p:nvSpPr>
-          <p:cNvPr id="118" name="TextShape 2"/>
-          <p:cNvSpPr txBox="1"/>
+          <p:cNvPr id="117" name="CustomShape 2"/>
+          <p:cNvSpPr/>
           <p:nvPr/>
         </p:nvSpPr>
         <p:spPr>
           <a:xfrm>
             <a:off x="467640" y="1296000"/>
-            <a:ext cx="8316360" cy="4824000"/>
+            <a:ext cx="8316000" cy="4823640"/>
           </a:xfrm>
           <a:prstGeom prst="rect">
             <a:avLst/>
@@ -7256,12 +7321,21 @@
             <a:noFill/>
           </a:ln>
         </p:spPr>
+        <p:style>
+          <a:lnRef idx="0"/>
+          <a:fillRef idx="0"/>
+          <a:effectRef idx="0"/>
+          <a:fontRef idx="minor"/>
+        </p:style>
         <p:txBody>
           <a:bodyPr lIns="0" rIns="0" tIns="0" bIns="0">
             <a:normAutofit/>
           </a:bodyPr>
           <a:p>
-            <a:pPr marL="432000" indent="-324000">
+            <a:pPr marL="432000" indent="-323640">
+              <a:lnSpc>
+                <a:spcPct val="100000"/>
+              </a:lnSpc>
               <a:spcBef>
                 <a:spcPts val="1417"/>
               </a:spcBef>
@@ -7299,7 +7373,10 @@
             </a:endParaRPr>
           </a:p>
           <a:p>
-            <a:pPr marL="432000" indent="-324000">
+            <a:pPr marL="432000" indent="-323640">
+              <a:lnSpc>
+                <a:spcPct val="100000"/>
+              </a:lnSpc>
               <a:spcBef>
                 <a:spcPts val="1417"/>
               </a:spcBef>
@@ -7337,7 +7414,10 @@
             </a:endParaRPr>
           </a:p>
           <a:p>
-            <a:pPr lvl="1" marL="864000" indent="-324000">
+            <a:pPr lvl="1" marL="864000" indent="-323640">
+              <a:lnSpc>
+                <a:spcPct val="100000"/>
+              </a:lnSpc>
               <a:spcBef>
                 <a:spcPts val="1134"/>
               </a:spcBef>
@@ -7345,7 +7425,7 @@
                 <a:srgbClr val="000000"/>
               </a:buClr>
               <a:buSzPct val="75000"/>
-              <a:buFont typeface="Symbol" charset="2"/>
+              <a:buFont typeface="Symbol"/>
               <a:buChar char=""/>
             </a:pPr>
             <a:r>
@@ -7375,7 +7455,10 @@
             </a:endParaRPr>
           </a:p>
           <a:p>
-            <a:pPr lvl="1" marL="864000" indent="-324000">
+            <a:pPr lvl="1" marL="864000" indent="-323640">
+              <a:lnSpc>
+                <a:spcPct val="100000"/>
+              </a:lnSpc>
               <a:spcBef>
                 <a:spcPts val="1134"/>
               </a:spcBef>
@@ -7383,7 +7466,7 @@
                 <a:srgbClr val="000000"/>
               </a:buClr>
               <a:buSzPct val="75000"/>
-              <a:buFont typeface="Symbol" charset="2"/>
+              <a:buFont typeface="Symbol"/>
               <a:buChar char=""/>
             </a:pPr>
             <a:r>
@@ -7413,7 +7496,10 @@
             </a:endParaRPr>
           </a:p>
           <a:p>
-            <a:pPr marL="432000" indent="-324000">
+            <a:pPr marL="432000" indent="-323640">
+              <a:lnSpc>
+                <a:spcPct val="100000"/>
+              </a:lnSpc>
               <a:spcBef>
                 <a:spcPts val="1417"/>
               </a:spcBef>
@@ -7451,7 +7537,10 @@
             </a:endParaRPr>
           </a:p>
           <a:p>
-            <a:pPr lvl="1" marL="864000" indent="-324000">
+            <a:pPr lvl="1" marL="864000" indent="-323640">
+              <a:lnSpc>
+                <a:spcPct val="100000"/>
+              </a:lnSpc>
               <a:spcBef>
                 <a:spcPts val="1134"/>
               </a:spcBef>
@@ -7459,7 +7548,7 @@
                 <a:srgbClr val="000000"/>
               </a:buClr>
               <a:buSzPct val="75000"/>
-              <a:buFont typeface="Symbol" charset="2"/>
+              <a:buFont typeface="Symbol"/>
               <a:buChar char=""/>
             </a:pPr>
             <a:r>
@@ -7489,7 +7578,10 @@
             </a:endParaRPr>
           </a:p>
           <a:p>
-            <a:pPr lvl="1" marL="864000" indent="-324000">
+            <a:pPr lvl="1" marL="864000" indent="-323640">
+              <a:lnSpc>
+                <a:spcPct val="100000"/>
+              </a:lnSpc>
               <a:spcBef>
                 <a:spcPts val="1134"/>
               </a:spcBef>
@@ -7497,7 +7589,7 @@
                 <a:srgbClr val="000000"/>
               </a:buClr>
               <a:buSzPct val="75000"/>
-              <a:buFont typeface="Symbol" charset="2"/>
+              <a:buFont typeface="Symbol"/>
               <a:buChar char=""/>
             </a:pPr>
             <a:r>
@@ -7527,7 +7619,10 @@
             </a:endParaRPr>
           </a:p>
           <a:p>
-            <a:pPr lvl="1" marL="864000" indent="-324000">
+            <a:pPr lvl="1" marL="864000" indent="-323640">
+              <a:lnSpc>
+                <a:spcPct val="100000"/>
+              </a:lnSpc>
               <a:spcBef>
                 <a:spcPts val="1134"/>
               </a:spcBef>
@@ -7535,7 +7630,7 @@
                 <a:srgbClr val="000000"/>
               </a:buClr>
               <a:buSzPct val="75000"/>
-              <a:buFont typeface="Symbol" charset="2"/>
+              <a:buFont typeface="Symbol"/>
               <a:buChar char=""/>
             </a:pPr>
             <a:r>
@@ -7617,14 +7712,14 @@
       </p:grpSpPr>
       <p:sp>
         <p:nvSpPr>
-          <p:cNvPr id="119" name="TextShape 1"/>
-          <p:cNvSpPr txBox="1"/>
+          <p:cNvPr id="118" name="CustomShape 1"/>
+          <p:cNvSpPr/>
           <p:nvPr/>
         </p:nvSpPr>
         <p:spPr>
           <a:xfrm>
             <a:off x="390600" y="333360"/>
-            <a:ext cx="6911640" cy="561600"/>
+            <a:ext cx="6911280" cy="561240"/>
           </a:xfrm>
           <a:prstGeom prst="rect">
             <a:avLst/>
@@ -7634,6 +7729,12 @@
             <a:noFill/>
           </a:ln>
         </p:spPr>
+        <p:style>
+          <a:lnRef idx="0"/>
+          <a:fillRef idx="0"/>
+          <a:effectRef idx="0"/>
+          <a:fontRef idx="minor"/>
+        </p:style>
         <p:txBody>
           <a:bodyPr lIns="0" rIns="0" tIns="0" bIns="0" anchor="b"/>
           <a:p>
@@ -7672,14 +7773,14 @@
       </p:sp>
       <p:sp>
         <p:nvSpPr>
-          <p:cNvPr id="120" name="TextShape 2"/>
-          <p:cNvSpPr txBox="1"/>
+          <p:cNvPr id="119" name="CustomShape 2"/>
+          <p:cNvSpPr/>
           <p:nvPr/>
         </p:nvSpPr>
         <p:spPr>
           <a:xfrm>
             <a:off x="467640" y="1296000"/>
-            <a:ext cx="8316360" cy="4824000"/>
+            <a:ext cx="8316000" cy="4823640"/>
           </a:xfrm>
           <a:prstGeom prst="rect">
             <a:avLst/>
@@ -7689,12 +7790,21 @@
             <a:noFill/>
           </a:ln>
         </p:spPr>
+        <p:style>
+          <a:lnRef idx="0"/>
+          <a:fillRef idx="0"/>
+          <a:effectRef idx="0"/>
+          <a:fontRef idx="minor"/>
+        </p:style>
         <p:txBody>
           <a:bodyPr lIns="0" rIns="0" tIns="0" bIns="0">
             <a:normAutofit/>
           </a:bodyPr>
           <a:p>
-            <a:pPr marL="432000" indent="-324000">
+            <a:pPr marL="432000" indent="-323640">
+              <a:lnSpc>
+                <a:spcPct val="100000"/>
+              </a:lnSpc>
               <a:spcBef>
                 <a:spcPts val="1417"/>
               </a:spcBef>
@@ -7732,7 +7842,10 @@
             </a:endParaRPr>
           </a:p>
           <a:p>
-            <a:pPr lvl="1" marL="864000" indent="-324000">
+            <a:pPr lvl="1" marL="864000" indent="-323640">
+              <a:lnSpc>
+                <a:spcPct val="100000"/>
+              </a:lnSpc>
               <a:spcBef>
                 <a:spcPts val="1134"/>
               </a:spcBef>
@@ -7740,7 +7853,7 @@
                 <a:srgbClr val="000000"/>
               </a:buClr>
               <a:buSzPct val="75000"/>
-              <a:buFont typeface="Symbol" charset="2"/>
+              <a:buFont typeface="Symbol"/>
               <a:buChar char=""/>
             </a:pPr>
             <a:r>
@@ -7770,7 +7883,10 @@
             </a:endParaRPr>
           </a:p>
           <a:p>
-            <a:pPr lvl="1" marL="864000" indent="-324000">
+            <a:pPr lvl="1" marL="864000" indent="-323640">
+              <a:lnSpc>
+                <a:spcPct val="100000"/>
+              </a:lnSpc>
               <a:spcBef>
                 <a:spcPts val="1134"/>
               </a:spcBef>
@@ -7778,7 +7894,7 @@
                 <a:srgbClr val="000000"/>
               </a:buClr>
               <a:buSzPct val="75000"/>
-              <a:buFont typeface="Symbol" charset="2"/>
+              <a:buFont typeface="Symbol"/>
               <a:buChar char=""/>
             </a:pPr>
             <a:r>
@@ -7808,7 +7924,10 @@
             </a:endParaRPr>
           </a:p>
           <a:p>
-            <a:pPr lvl="1" marL="864000" indent="-324000">
+            <a:pPr lvl="1" marL="864000" indent="-323640">
+              <a:lnSpc>
+                <a:spcPct val="100000"/>
+              </a:lnSpc>
               <a:spcBef>
                 <a:spcPts val="1134"/>
               </a:spcBef>
@@ -7816,7 +7935,7 @@
                 <a:srgbClr val="000000"/>
               </a:buClr>
               <a:buSzPct val="75000"/>
-              <a:buFont typeface="Symbol" charset="2"/>
+              <a:buFont typeface="Symbol"/>
               <a:buChar char=""/>
             </a:pPr>
             <a:r>
@@ -7846,7 +7965,10 @@
             </a:endParaRPr>
           </a:p>
           <a:p>
-            <a:pPr marL="432000" indent="-324000">
+            <a:pPr marL="432000" indent="-323640">
+              <a:lnSpc>
+                <a:spcPct val="100000"/>
+              </a:lnSpc>
               <a:spcBef>
                 <a:spcPts val="1417"/>
               </a:spcBef>
@@ -7884,7 +8006,10 @@
             </a:endParaRPr>
           </a:p>
           <a:p>
-            <a:pPr lvl="1" marL="864000" indent="-324000">
+            <a:pPr lvl="1" marL="864000" indent="-323640">
+              <a:lnSpc>
+                <a:spcPct val="100000"/>
+              </a:lnSpc>
               <a:spcBef>
                 <a:spcPts val="1134"/>
               </a:spcBef>
@@ -7892,7 +8017,7 @@
                 <a:srgbClr val="000000"/>
               </a:buClr>
               <a:buSzPct val="75000"/>
-              <a:buFont typeface="Symbol" charset="2"/>
+              <a:buFont typeface="Symbol"/>
               <a:buChar char=""/>
             </a:pPr>
             <a:r>
@@ -7922,7 +8047,10 @@
             </a:endParaRPr>
           </a:p>
           <a:p>
-            <a:pPr lvl="1" marL="864000" indent="-324000">
+            <a:pPr lvl="1" marL="864000" indent="-323640">
+              <a:lnSpc>
+                <a:spcPct val="100000"/>
+              </a:lnSpc>
               <a:spcBef>
                 <a:spcPts val="1134"/>
               </a:spcBef>
@@ -7930,7 +8058,7 @@
                 <a:srgbClr val="000000"/>
               </a:buClr>
               <a:buSzPct val="75000"/>
-              <a:buFont typeface="Symbol" charset="2"/>
+              <a:buFont typeface="Symbol"/>
               <a:buChar char=""/>
             </a:pPr>
             <a:r>
